--- a/ps_project_abhinandan_sharma_2k19mc005_chetan_2k19mc034.pptx
+++ b/ps_project_abhinandan_sharma_2k19mc005_chetan_2k19mc034.pptx
@@ -26,7 +26,8 @@
     <p:sldId id="295" r:id="rId23"/>
     <p:sldId id="296" r:id="rId24"/>
     <p:sldId id="297" r:id="rId25"/>
-    <p:sldId id="299" r:id="rId26"/>
+    <p:sldId id="307" r:id="rId26"/>
+    <p:sldId id="299" r:id="rId27"/>
   </p:sldIdLst>
   <p:sldSz cx="12192000" cy="6858000"/>
   <p:notesSz cx="6858000" cy="9144000"/>
@@ -151,13 +152,14 @@
             <p14:sldId id="295"/>
             <p14:sldId id="296"/>
             <p14:sldId id="297"/>
+            <p14:sldId id="307"/>
             <p14:sldId id="299"/>
           </p14:sldIdLst>
         </p14:section>
       </p14:sectionLst>
     </p:ext>
     <p:ext uri="{EFAFB233-063F-42B5-8137-9DF3F51BA10A}">
-      <p15:sldGuideLst xmlns:p15="http://schemas.microsoft.com/office/powerpoint/2012/main">
+      <p15:sldGuideLst xmlns="" xmlns:p15="http://schemas.microsoft.com/office/powerpoint/2012/main">
         <p15:guide id="1" orient="horz" pos="2160">
           <p15:clr>
             <a:srgbClr val="A4A3A4"/>
@@ -175,7 +177,7 @@
 </file>
 
 <file path=ppt/charts/chart1.xml><?xml version="1.0" encoding="utf-8"?>
-<c:chartSpace xmlns:c="http://schemas.openxmlformats.org/drawingml/2006/chart" xmlns:a="http://schemas.openxmlformats.org/drawingml/2006/main" xmlns:r="http://schemas.openxmlformats.org/officeDocument/2006/relationships" xmlns:c16r2="http://schemas.microsoft.com/office/drawing/2015/06/chart">
+<c:chartSpace xmlns:c="http://schemas.openxmlformats.org/drawingml/2006/chart" xmlns:a="http://schemas.openxmlformats.org/drawingml/2006/main" xmlns:r="http://schemas.openxmlformats.org/officeDocument/2006/relationships">
   <c:date1904 val="0"/>
   <c:lang val="en-US"/>
   <c:roundedCorners val="0"/>
@@ -218,6 +220,7 @@
           </a:p>
         </c:rich>
       </c:tx>
+      <c:layout/>
       <c:overlay val="0"/>
       <c:spPr>
         <a:noFill/>
@@ -226,26 +229,6 @@
         </a:ln>
         <a:effectLst/>
       </c:spPr>
-      <c:txPr>
-        <a:bodyPr rot="0" spcFirstLastPara="1" vertOverflow="ellipsis" vert="horz" wrap="square" anchor="ctr" anchorCtr="1"/>
-        <a:lstStyle/>
-        <a:p>
-          <a:pPr>
-            <a:defRPr sz="1862" b="0" i="0" u="none" strike="noStrike" kern="1200" cap="none" spc="20" baseline="0">
-              <a:solidFill>
-                <a:schemeClr val="dk1">
-                  <a:lumMod val="50000"/>
-                  <a:lumOff val="50000"/>
-                </a:schemeClr>
-              </a:solidFill>
-              <a:latin typeface="+mn-lt"/>
-              <a:ea typeface="+mn-ea"/>
-              <a:cs typeface="+mn-cs"/>
-            </a:defRPr>
-          </a:pPr>
-          <a:endParaRPr lang="en-US"/>
-        </a:p>
-      </c:txPr>
     </c:title>
     <c:autoTitleDeleted val="0"/>
     <c:pivotFmts>
@@ -268,13 +251,8 @@
         </c:marker>
         <c:dLbl>
           <c:idx val="0"/>
-          <c:showLegendKey val="0"/>
-          <c:showVal val="0"/>
-          <c:showCatName val="0"/>
-          <c:showSerName val="0"/>
-          <c:showPercent val="0"/>
-          <c:showBubbleSize val="0"/>
-          <c:extLst>
+          <c:delete val="1"/>
+          <c:extLst xmlns:c16r2="http://schemas.microsoft.com/office/drawing/2015/06/chart">
             <c:ext xmlns:c15="http://schemas.microsoft.com/office/drawing/2012/chart" uri="{CE6537A1-D6FC-4f65-9D91-7224C49458BB}"/>
           </c:extLst>
         </c:dLbl>
@@ -298,13 +276,8 @@
         </c:marker>
         <c:dLbl>
           <c:idx val="0"/>
-          <c:showLegendKey val="0"/>
-          <c:showVal val="0"/>
-          <c:showCatName val="0"/>
-          <c:showSerName val="0"/>
-          <c:showPercent val="0"/>
-          <c:showBubbleSize val="0"/>
-          <c:extLst>
+          <c:delete val="1"/>
+          <c:extLst xmlns:c16r2="http://schemas.microsoft.com/office/drawing/2015/06/chart">
             <c:ext xmlns:c15="http://schemas.microsoft.com/office/drawing/2012/chart" uri="{CE6537A1-D6FC-4f65-9D91-7224C49458BB}"/>
           </c:extLst>
         </c:dLbl>
@@ -341,13 +314,8 @@
         </c:marker>
         <c:dLbl>
           <c:idx val="0"/>
-          <c:showLegendKey val="0"/>
-          <c:showVal val="0"/>
-          <c:showCatName val="0"/>
-          <c:showSerName val="0"/>
-          <c:showPercent val="0"/>
-          <c:showBubbleSize val="0"/>
-          <c:extLst>
+          <c:delete val="1"/>
+          <c:extLst xmlns:c16r2="http://schemas.microsoft.com/office/drawing/2015/06/chart">
             <c:ext xmlns:c15="http://schemas.microsoft.com/office/drawing/2012/chart" uri="{CE6537A1-D6FC-4f65-9D91-7224C49458BB}"/>
           </c:extLst>
         </c:dLbl>
@@ -384,13 +352,8 @@
         </c:marker>
         <c:dLbl>
           <c:idx val="0"/>
-          <c:showLegendKey val="0"/>
-          <c:showVal val="0"/>
-          <c:showCatName val="0"/>
-          <c:showSerName val="0"/>
-          <c:showPercent val="0"/>
-          <c:showBubbleSize val="0"/>
-          <c:extLst>
+          <c:delete val="1"/>
+          <c:extLst xmlns:c16r2="http://schemas.microsoft.com/office/drawing/2015/06/chart">
             <c:ext xmlns:c15="http://schemas.microsoft.com/office/drawing/2012/chart" uri="{CE6537A1-D6FC-4f65-9D91-7224C49458BB}"/>
           </c:extLst>
         </c:dLbl>
@@ -427,13 +390,8 @@
         </c:marker>
         <c:dLbl>
           <c:idx val="0"/>
-          <c:showLegendKey val="0"/>
-          <c:showVal val="0"/>
-          <c:showCatName val="0"/>
-          <c:showSerName val="0"/>
-          <c:showPercent val="0"/>
-          <c:showBubbleSize val="0"/>
-          <c:extLst>
+          <c:delete val="1"/>
+          <c:extLst xmlns:c16r2="http://schemas.microsoft.com/office/drawing/2015/06/chart">
             <c:ext xmlns:c15="http://schemas.microsoft.com/office/drawing/2012/chart" uri="{CE6537A1-D6FC-4f65-9D91-7224C49458BB}"/>
           </c:extLst>
         </c:dLbl>
@@ -2067,7 +2025,7 @@
             </c:numRef>
           </c:val>
           <c:smooth val="0"/>
-          <c:extLst>
+          <c:extLst xmlns:c16r2="http://schemas.microsoft.com/office/drawing/2015/06/chart">
             <c:ext xmlns:c16="http://schemas.microsoft.com/office/drawing/2014/chart" uri="{C3380CC4-5D6E-409C-BE32-E72D297353CC}">
               <c16:uniqueId val="{00000001-47E0-4655-B32F-D5CEAB9040AA}"/>
             </c:ext>
@@ -2147,17 +2105,50 @@
             </c:spPr>
           </c:downBars>
         </c:upDownBars>
+        <c:marker val="1"/>
         <c:smooth val="0"/>
-        <c:axId val="35860480"/>
-        <c:axId val="35862016"/>
+        <c:axId val="80043008"/>
+        <c:axId val="80061568"/>
       </c:lineChart>
       <c:catAx>
-        <c:axId val="35860480"/>
+        <c:axId val="80043008"/>
         <c:scaling>
           <c:orientation val="minMax"/>
         </c:scaling>
         <c:delete val="0"/>
         <c:axPos val="b"/>
+        <c:title>
+          <c:tx>
+            <c:rich>
+              <a:bodyPr/>
+              <a:lstStyle/>
+              <a:p>
+                <a:pPr>
+                  <a:defRPr>
+                    <a:solidFill>
+                      <a:schemeClr val="bg1"/>
+                    </a:solidFill>
+                  </a:defRPr>
+                </a:pPr>
+                <a:r>
+                  <a:rPr lang="en-US" dirty="0" smtClean="0">
+                    <a:solidFill>
+                      <a:schemeClr val="bg1"/>
+                    </a:solidFill>
+                  </a:rPr>
+                  <a:t>TIME</a:t>
+                </a:r>
+                <a:endParaRPr lang="en-US" dirty="0">
+                  <a:solidFill>
+                    <a:schemeClr val="bg1"/>
+                  </a:solidFill>
+                </a:endParaRPr>
+              </a:p>
+            </c:rich>
+          </c:tx>
+          <c:layout/>
+          <c:overlay val="0"/>
+        </c:title>
         <c:numFmt formatCode="General" sourceLinked="1"/>
         <c:majorTickMark val="none"/>
         <c:minorTickMark val="none"/>
@@ -2195,7 +2186,7 @@
             <a:endParaRPr lang="en-US"/>
           </a:p>
         </c:txPr>
-        <c:crossAx val="35862016"/>
+        <c:crossAx val="80061568"/>
         <c:crosses val="autoZero"/>
         <c:auto val="1"/>
         <c:lblAlgn val="ctr"/>
@@ -2203,13 +2194,45 @@
         <c:noMultiLvlLbl val="0"/>
       </c:catAx>
       <c:valAx>
-        <c:axId val="35862016"/>
+        <c:axId val="80061568"/>
         <c:scaling>
           <c:orientation val="minMax"/>
           <c:min val="50"/>
         </c:scaling>
         <c:delete val="0"/>
         <c:axPos val="l"/>
+        <c:title>
+          <c:tx>
+            <c:rich>
+              <a:bodyPr rot="0" vert="wordArtVert"/>
+              <a:lstStyle/>
+              <a:p>
+                <a:pPr>
+                  <a:defRPr>
+                    <a:solidFill>
+                      <a:schemeClr val="bg1"/>
+                    </a:solidFill>
+                  </a:defRPr>
+                </a:pPr>
+                <a:r>
+                  <a:rPr lang="en-US" dirty="0" smtClean="0">
+                    <a:solidFill>
+                      <a:schemeClr val="bg1"/>
+                    </a:solidFill>
+                  </a:rPr>
+                  <a:t>PRICE</a:t>
+                </a:r>
+                <a:endParaRPr lang="en-US" dirty="0">
+                  <a:solidFill>
+                    <a:schemeClr val="bg1"/>
+                  </a:solidFill>
+                </a:endParaRPr>
+              </a:p>
+            </c:rich>
+          </c:tx>
+          <c:layout/>
+          <c:overlay val="0"/>
+        </c:title>
         <c:numFmt formatCode="General" sourceLinked="1"/>
         <c:majorTickMark val="none"/>
         <c:minorTickMark val="none"/>
@@ -2241,7 +2264,7 @@
             <a:endParaRPr lang="en-US"/>
           </a:p>
         </c:txPr>
-        <c:crossAx val="35860480"/>
+        <c:crossAx val="80043008"/>
         <c:crosses val="autoZero"/>
         <c:crossBetween val="between"/>
       </c:valAx>
@@ -2267,6 +2290,7 @@
     </c:plotArea>
     <c:legend>
       <c:legendPos val="r"/>
+      <c:layout/>
       <c:overlay val="0"/>
       <c:spPr>
         <a:noFill/>
@@ -2298,14 +2322,14 @@
     </c:legend>
     <c:plotVisOnly val="1"/>
     <c:dispBlanksAs val="gap"/>
-    <c:extLst>
+    <c:showDLblsOverMax val="0"/>
+    <c:extLst xmlns:c16r2="http://schemas.microsoft.com/office/drawing/2015/06/chart">
       <c:ext xmlns:c16r3="http://schemas.microsoft.com/office/drawing/2017/03/chart" uri="{56B9EC1D-385E-4148-901F-78D8002777C0}">
         <c16r3:dataDisplayOptions16>
           <c16r3:dispNaAsBlank val="1"/>
         </c16r3:dataDisplayOptions16>
       </c:ext>
     </c:extLst>
-    <c:showDLblsOverMax val="0"/>
   </c:chart>
   <c:spPr>
     <a:solidFill>
@@ -2326,10 +2350,15 @@
       <a:endParaRPr lang="en-US"/>
     </a:p>
   </c:txPr>
-  <c:externalData r:id="rId3">
+  <c:externalData r:id="rId1">
     <c:autoUpdate val="0"/>
   </c:externalData>
-  <c:extLst>
+  <c:extLst xmlns:c16r2="http://schemas.microsoft.com/office/drawing/2015/06/chart">
+    <c:ext xmlns:c16="http://schemas.microsoft.com/office/drawing/2014/chart" uri="{E28EC0CA-F0BB-4C9C-879D-F8772B89E7AC}">
+      <c16:pivotOptions16>
+        <c16:showExpandCollapseFieldButtons val="1"/>
+      </c16:pivotOptions16>
+    </c:ext>
     <c:ext xmlns:c14="http://schemas.microsoft.com/office/drawing/2007/8/2/chart" uri="{781A3756-C4B2-4CAC-9D66-4F8BD8637D16}">
       <c14:pivotOptions>
         <c14:dropZoneFilter val="1"/>
@@ -2339,17 +2368,12 @@
         <c14:dropZonesVisible val="1"/>
       </c14:pivotOptions>
     </c:ext>
-    <c:ext xmlns:c16="http://schemas.microsoft.com/office/drawing/2014/chart" uri="{E28EC0CA-F0BB-4C9C-879D-F8772B89E7AC}">
-      <c16:pivotOptions16>
-        <c16:showExpandCollapseFieldButtons val="1"/>
-      </c16:pivotOptions16>
-    </c:ext>
   </c:extLst>
 </c:chartSpace>
 </file>
 
 <file path=ppt/charts/chart2.xml><?xml version="1.0" encoding="utf-8"?>
-<c:chartSpace xmlns:c="http://schemas.openxmlformats.org/drawingml/2006/chart" xmlns:a="http://schemas.openxmlformats.org/drawingml/2006/main" xmlns:r="http://schemas.openxmlformats.org/officeDocument/2006/relationships" xmlns:c16r2="http://schemas.microsoft.com/office/drawing/2015/06/chart">
+<c:chartSpace xmlns:c="http://schemas.openxmlformats.org/drawingml/2006/chart" xmlns:a="http://schemas.openxmlformats.org/drawingml/2006/main" xmlns:r="http://schemas.openxmlformats.org/officeDocument/2006/relationships">
   <c:date1904 val="0"/>
   <c:lang val="en-US"/>
   <c:roundedCorners val="0"/>
@@ -2392,6 +2416,7 @@
           </a:p>
         </c:rich>
       </c:tx>
+      <c:layout/>
       <c:overlay val="0"/>
       <c:spPr>
         <a:noFill/>
@@ -2400,26 +2425,6 @@
         </a:ln>
         <a:effectLst/>
       </c:spPr>
-      <c:txPr>
-        <a:bodyPr rot="0" spcFirstLastPara="1" vertOverflow="ellipsis" vert="horz" wrap="square" anchor="ctr" anchorCtr="1"/>
-        <a:lstStyle/>
-        <a:p>
-          <a:pPr>
-            <a:defRPr sz="1862" b="0" i="0" u="none" strike="noStrike" kern="1200" cap="none" spc="20" baseline="0">
-              <a:solidFill>
-                <a:schemeClr val="dk1">
-                  <a:lumMod val="50000"/>
-                  <a:lumOff val="50000"/>
-                </a:schemeClr>
-              </a:solidFill>
-              <a:latin typeface="+mn-lt"/>
-              <a:ea typeface="+mn-ea"/>
-              <a:cs typeface="+mn-cs"/>
-            </a:defRPr>
-          </a:pPr>
-          <a:endParaRPr lang="en-US"/>
-        </a:p>
-      </c:txPr>
     </c:title>
     <c:autoTitleDeleted val="0"/>
     <c:pivotFmts>
@@ -2442,13 +2447,8 @@
         </c:marker>
         <c:dLbl>
           <c:idx val="0"/>
-          <c:showLegendKey val="0"/>
-          <c:showVal val="0"/>
-          <c:showCatName val="0"/>
-          <c:showSerName val="0"/>
-          <c:showPercent val="0"/>
-          <c:showBubbleSize val="0"/>
-          <c:extLst>
+          <c:delete val="1"/>
+          <c:extLst xmlns:c16r2="http://schemas.microsoft.com/office/drawing/2015/06/chart">
             <c:ext xmlns:c15="http://schemas.microsoft.com/office/drawing/2012/chart" uri="{CE6537A1-D6FC-4f65-9D91-7224C49458BB}"/>
           </c:extLst>
         </c:dLbl>
@@ -2472,13 +2472,8 @@
         </c:marker>
         <c:dLbl>
           <c:idx val="0"/>
-          <c:showLegendKey val="0"/>
-          <c:showVal val="0"/>
-          <c:showCatName val="0"/>
-          <c:showSerName val="0"/>
-          <c:showPercent val="0"/>
-          <c:showBubbleSize val="0"/>
-          <c:extLst>
+          <c:delete val="1"/>
+          <c:extLst xmlns:c16r2="http://schemas.microsoft.com/office/drawing/2015/06/chart">
             <c:ext xmlns:c15="http://schemas.microsoft.com/office/drawing/2012/chart" uri="{CE6537A1-D6FC-4f65-9D91-7224C49458BB}"/>
           </c:extLst>
         </c:dLbl>
@@ -2515,13 +2510,8 @@
         </c:marker>
         <c:dLbl>
           <c:idx val="0"/>
-          <c:showLegendKey val="0"/>
-          <c:showVal val="0"/>
-          <c:showCatName val="0"/>
-          <c:showSerName val="0"/>
-          <c:showPercent val="0"/>
-          <c:showBubbleSize val="0"/>
-          <c:extLst>
+          <c:delete val="1"/>
+          <c:extLst xmlns:c16r2="http://schemas.microsoft.com/office/drawing/2015/06/chart">
             <c:ext xmlns:c15="http://schemas.microsoft.com/office/drawing/2012/chart" uri="{CE6537A1-D6FC-4f65-9D91-7224C49458BB}"/>
           </c:extLst>
         </c:dLbl>
@@ -2558,13 +2548,8 @@
         </c:marker>
         <c:dLbl>
           <c:idx val="0"/>
-          <c:showLegendKey val="0"/>
-          <c:showVal val="0"/>
-          <c:showCatName val="0"/>
-          <c:showSerName val="0"/>
-          <c:showPercent val="0"/>
-          <c:showBubbleSize val="0"/>
-          <c:extLst>
+          <c:delete val="1"/>
+          <c:extLst xmlns:c16r2="http://schemas.microsoft.com/office/drawing/2015/06/chart">
             <c:ext xmlns:c15="http://schemas.microsoft.com/office/drawing/2012/chart" uri="{CE6537A1-D6FC-4f65-9D91-7224C49458BB}"/>
           </c:extLst>
         </c:dLbl>
@@ -2601,13 +2586,8 @@
         </c:marker>
         <c:dLbl>
           <c:idx val="0"/>
-          <c:showLegendKey val="0"/>
-          <c:showVal val="0"/>
-          <c:showCatName val="0"/>
-          <c:showSerName val="0"/>
-          <c:showPercent val="0"/>
-          <c:showBubbleSize val="0"/>
-          <c:extLst>
+          <c:delete val="1"/>
+          <c:extLst xmlns:c16r2="http://schemas.microsoft.com/office/drawing/2015/06/chart">
             <c:ext xmlns:c15="http://schemas.microsoft.com/office/drawing/2012/chart" uri="{CE6537A1-D6FC-4f65-9D91-7224C49458BB}"/>
           </c:extLst>
         </c:dLbl>
@@ -4241,7 +4221,7 @@
             </c:numRef>
           </c:val>
           <c:smooth val="0"/>
-          <c:extLst>
+          <c:extLst xmlns:c16r2="http://schemas.microsoft.com/office/drawing/2015/06/chart">
             <c:ext xmlns:c16="http://schemas.microsoft.com/office/drawing/2014/chart" uri="{C3380CC4-5D6E-409C-BE32-E72D297353CC}">
               <c16:uniqueId val="{00000001-2965-4978-8323-50B04C44ED2A}"/>
             </c:ext>
@@ -4321,12 +4301,13 @@
             </c:spPr>
           </c:downBars>
         </c:upDownBars>
+        <c:marker val="1"/>
         <c:smooth val="0"/>
-        <c:axId val="35860480"/>
-        <c:axId val="35862016"/>
+        <c:axId val="90898432"/>
+        <c:axId val="90899968"/>
       </c:lineChart>
       <c:catAx>
-        <c:axId val="35860480"/>
+        <c:axId val="90898432"/>
         <c:scaling>
           <c:orientation val="minMax"/>
         </c:scaling>
@@ -4369,7 +4350,7 @@
             <a:endParaRPr lang="en-US"/>
           </a:p>
         </c:txPr>
-        <c:crossAx val="35862016"/>
+        <c:crossAx val="90899968"/>
         <c:crosses val="autoZero"/>
         <c:auto val="1"/>
         <c:lblAlgn val="ctr"/>
@@ -4377,7 +4358,7 @@
         <c:noMultiLvlLbl val="0"/>
       </c:catAx>
       <c:valAx>
-        <c:axId val="35862016"/>
+        <c:axId val="90899968"/>
         <c:scaling>
           <c:orientation val="minMax"/>
           <c:min val="50"/>
@@ -4415,7 +4396,7 @@
             <a:endParaRPr lang="en-US"/>
           </a:p>
         </c:txPr>
-        <c:crossAx val="35860480"/>
+        <c:crossAx val="90898432"/>
         <c:crosses val="autoZero"/>
         <c:crossBetween val="between"/>
       </c:valAx>
@@ -4441,6 +4422,7 @@
     </c:plotArea>
     <c:legend>
       <c:legendPos val="r"/>
+      <c:layout/>
       <c:overlay val="0"/>
       <c:spPr>
         <a:noFill/>
@@ -4472,14 +4454,14 @@
     </c:legend>
     <c:plotVisOnly val="1"/>
     <c:dispBlanksAs val="gap"/>
-    <c:extLst>
+    <c:showDLblsOverMax val="0"/>
+    <c:extLst xmlns:c16r2="http://schemas.microsoft.com/office/drawing/2015/06/chart">
       <c:ext xmlns:c16r3="http://schemas.microsoft.com/office/drawing/2017/03/chart" uri="{56B9EC1D-385E-4148-901F-78D8002777C0}">
         <c16r3:dataDisplayOptions16>
           <c16r3:dispNaAsBlank val="1"/>
         </c16r3:dataDisplayOptions16>
       </c:ext>
     </c:extLst>
-    <c:showDLblsOverMax val="0"/>
   </c:chart>
   <c:spPr>
     <a:solidFill>
@@ -4500,10 +4482,15 @@
       <a:endParaRPr lang="en-US"/>
     </a:p>
   </c:txPr>
-  <c:externalData r:id="rId3">
+  <c:externalData r:id="rId1">
     <c:autoUpdate val="0"/>
   </c:externalData>
-  <c:extLst>
+  <c:extLst xmlns:c16r2="http://schemas.microsoft.com/office/drawing/2015/06/chart">
+    <c:ext xmlns:c16="http://schemas.microsoft.com/office/drawing/2014/chart" uri="{E28EC0CA-F0BB-4C9C-879D-F8772B89E7AC}">
+      <c16:pivotOptions16>
+        <c16:showExpandCollapseFieldButtons val="1"/>
+      </c16:pivotOptions16>
+    </c:ext>
     <c:ext xmlns:c14="http://schemas.microsoft.com/office/drawing/2007/8/2/chart" uri="{781A3756-C4B2-4CAC-9D66-4F8BD8637D16}">
       <c14:pivotOptions>
         <c14:dropZoneFilter val="1"/>
@@ -4513,17 +4500,12 @@
         <c14:dropZonesVisible val="1"/>
       </c14:pivotOptions>
     </c:ext>
-    <c:ext xmlns:c16="http://schemas.microsoft.com/office/drawing/2014/chart" uri="{E28EC0CA-F0BB-4C9C-879D-F8772B89E7AC}">
-      <c16:pivotOptions16>
-        <c16:showExpandCollapseFieldButtons val="1"/>
-      </c16:pivotOptions16>
-    </c:ext>
   </c:extLst>
 </c:chartSpace>
 </file>
 
 <file path=ppt/charts/chart3.xml><?xml version="1.0" encoding="utf-8"?>
-<c:chartSpace xmlns:c="http://schemas.openxmlformats.org/drawingml/2006/chart" xmlns:a="http://schemas.openxmlformats.org/drawingml/2006/main" xmlns:r="http://schemas.openxmlformats.org/officeDocument/2006/relationships" xmlns:c16r2="http://schemas.microsoft.com/office/drawing/2015/06/chart">
+<c:chartSpace xmlns:c="http://schemas.openxmlformats.org/drawingml/2006/chart" xmlns:a="http://schemas.openxmlformats.org/drawingml/2006/main" xmlns:r="http://schemas.openxmlformats.org/officeDocument/2006/relationships">
   <c:date1904 val="0"/>
   <c:lang val="en-US"/>
   <c:roundedCorners val="0"/>
@@ -4566,6 +4548,7 @@
           </a:p>
         </c:rich>
       </c:tx>
+      <c:layout/>
       <c:overlay val="0"/>
       <c:spPr>
         <a:noFill/>
@@ -4574,26 +4557,6 @@
         </a:ln>
         <a:effectLst/>
       </c:spPr>
-      <c:txPr>
-        <a:bodyPr rot="0" spcFirstLastPara="1" vertOverflow="ellipsis" vert="horz" wrap="square" anchor="ctr" anchorCtr="1"/>
-        <a:lstStyle/>
-        <a:p>
-          <a:pPr>
-            <a:defRPr sz="1862" b="0" i="0" u="none" strike="noStrike" kern="1200" cap="none" spc="20" baseline="0">
-              <a:solidFill>
-                <a:schemeClr val="dk1">
-                  <a:lumMod val="50000"/>
-                  <a:lumOff val="50000"/>
-                </a:schemeClr>
-              </a:solidFill>
-              <a:latin typeface="+mn-lt"/>
-              <a:ea typeface="+mn-ea"/>
-              <a:cs typeface="+mn-cs"/>
-            </a:defRPr>
-          </a:pPr>
-          <a:endParaRPr lang="en-US"/>
-        </a:p>
-      </c:txPr>
     </c:title>
     <c:autoTitleDeleted val="0"/>
     <c:pivotFmts>
@@ -4616,13 +4579,8 @@
         </c:marker>
         <c:dLbl>
           <c:idx val="0"/>
-          <c:showLegendKey val="0"/>
-          <c:showVal val="0"/>
-          <c:showCatName val="0"/>
-          <c:showSerName val="0"/>
-          <c:showPercent val="0"/>
-          <c:showBubbleSize val="0"/>
-          <c:extLst>
+          <c:delete val="1"/>
+          <c:extLst xmlns:c16r2="http://schemas.microsoft.com/office/drawing/2015/06/chart">
             <c:ext xmlns:c15="http://schemas.microsoft.com/office/drawing/2012/chart" uri="{CE6537A1-D6FC-4f65-9D91-7224C49458BB}"/>
           </c:extLst>
         </c:dLbl>
@@ -4646,13 +4604,8 @@
         </c:marker>
         <c:dLbl>
           <c:idx val="0"/>
-          <c:showLegendKey val="0"/>
-          <c:showVal val="0"/>
-          <c:showCatName val="0"/>
-          <c:showSerName val="0"/>
-          <c:showPercent val="0"/>
-          <c:showBubbleSize val="0"/>
-          <c:extLst>
+          <c:delete val="1"/>
+          <c:extLst xmlns:c16r2="http://schemas.microsoft.com/office/drawing/2015/06/chart">
             <c:ext xmlns:c15="http://schemas.microsoft.com/office/drawing/2012/chart" uri="{CE6537A1-D6FC-4f65-9D91-7224C49458BB}"/>
           </c:extLst>
         </c:dLbl>
@@ -4689,13 +4642,8 @@
         </c:marker>
         <c:dLbl>
           <c:idx val="0"/>
-          <c:showLegendKey val="0"/>
-          <c:showVal val="0"/>
-          <c:showCatName val="0"/>
-          <c:showSerName val="0"/>
-          <c:showPercent val="0"/>
-          <c:showBubbleSize val="0"/>
-          <c:extLst>
+          <c:delete val="1"/>
+          <c:extLst xmlns:c16r2="http://schemas.microsoft.com/office/drawing/2015/06/chart">
             <c:ext xmlns:c15="http://schemas.microsoft.com/office/drawing/2012/chart" uri="{CE6537A1-D6FC-4f65-9D91-7224C49458BB}"/>
           </c:extLst>
         </c:dLbl>
@@ -4732,13 +4680,8 @@
         </c:marker>
         <c:dLbl>
           <c:idx val="0"/>
-          <c:showLegendKey val="0"/>
-          <c:showVal val="0"/>
-          <c:showCatName val="0"/>
-          <c:showSerName val="0"/>
-          <c:showPercent val="0"/>
-          <c:showBubbleSize val="0"/>
-          <c:extLst>
+          <c:delete val="1"/>
+          <c:extLst xmlns:c16r2="http://schemas.microsoft.com/office/drawing/2015/06/chart">
             <c:ext xmlns:c15="http://schemas.microsoft.com/office/drawing/2012/chart" uri="{CE6537A1-D6FC-4f65-9D91-7224C49458BB}"/>
           </c:extLst>
         </c:dLbl>
@@ -4775,13 +4718,8 @@
         </c:marker>
         <c:dLbl>
           <c:idx val="0"/>
-          <c:showLegendKey val="0"/>
-          <c:showVal val="0"/>
-          <c:showCatName val="0"/>
-          <c:showSerName val="0"/>
-          <c:showPercent val="0"/>
-          <c:showBubbleSize val="0"/>
-          <c:extLst>
+          <c:delete val="1"/>
+          <c:extLst xmlns:c16r2="http://schemas.microsoft.com/office/drawing/2015/06/chart">
             <c:ext xmlns:c15="http://schemas.microsoft.com/office/drawing/2012/chart" uri="{CE6537A1-D6FC-4f65-9D91-7224C49458BB}"/>
           </c:extLst>
         </c:dLbl>
@@ -6415,7 +6353,7 @@
             </c:numRef>
           </c:val>
           <c:smooth val="0"/>
-          <c:extLst>
+          <c:extLst xmlns:c16r2="http://schemas.microsoft.com/office/drawing/2015/06/chart">
             <c:ext xmlns:c16="http://schemas.microsoft.com/office/drawing/2014/chart" uri="{C3380CC4-5D6E-409C-BE32-E72D297353CC}">
               <c16:uniqueId val="{00000001-6343-447D-9C33-9EFE2F0104FE}"/>
             </c:ext>
@@ -6495,12 +6433,13 @@
             </c:spPr>
           </c:downBars>
         </c:upDownBars>
+        <c:marker val="1"/>
         <c:smooth val="0"/>
-        <c:axId val="35860480"/>
-        <c:axId val="35862016"/>
+        <c:axId val="91033600"/>
+        <c:axId val="91035136"/>
       </c:lineChart>
       <c:catAx>
-        <c:axId val="35860480"/>
+        <c:axId val="91033600"/>
         <c:scaling>
           <c:orientation val="minMax"/>
         </c:scaling>
@@ -6543,7 +6482,7 @@
             <a:endParaRPr lang="en-US"/>
           </a:p>
         </c:txPr>
-        <c:crossAx val="35862016"/>
+        <c:crossAx val="91035136"/>
         <c:crosses val="autoZero"/>
         <c:auto val="1"/>
         <c:lblAlgn val="ctr"/>
@@ -6551,7 +6490,7 @@
         <c:noMultiLvlLbl val="0"/>
       </c:catAx>
       <c:valAx>
-        <c:axId val="35862016"/>
+        <c:axId val="91035136"/>
         <c:scaling>
           <c:orientation val="minMax"/>
           <c:min val="50"/>
@@ -6589,7 +6528,7 @@
             <a:endParaRPr lang="en-US"/>
           </a:p>
         </c:txPr>
-        <c:crossAx val="35860480"/>
+        <c:crossAx val="91033600"/>
         <c:crosses val="autoZero"/>
         <c:crossBetween val="between"/>
       </c:valAx>
@@ -6615,6 +6554,7 @@
     </c:plotArea>
     <c:legend>
       <c:legendPos val="r"/>
+      <c:layout/>
       <c:overlay val="0"/>
       <c:spPr>
         <a:noFill/>
@@ -6646,14 +6586,14 @@
     </c:legend>
     <c:plotVisOnly val="1"/>
     <c:dispBlanksAs val="gap"/>
-    <c:extLst>
+    <c:showDLblsOverMax val="0"/>
+    <c:extLst xmlns:c16r2="http://schemas.microsoft.com/office/drawing/2015/06/chart">
       <c:ext xmlns:c16r3="http://schemas.microsoft.com/office/drawing/2017/03/chart" uri="{56B9EC1D-385E-4148-901F-78D8002777C0}">
         <c16r3:dataDisplayOptions16>
           <c16r3:dispNaAsBlank val="1"/>
         </c16r3:dataDisplayOptions16>
       </c:ext>
     </c:extLst>
-    <c:showDLblsOverMax val="0"/>
   </c:chart>
   <c:spPr>
     <a:solidFill>
@@ -6674,10 +6614,15 @@
       <a:endParaRPr lang="en-US"/>
     </a:p>
   </c:txPr>
-  <c:externalData r:id="rId3">
+  <c:externalData r:id="rId1">
     <c:autoUpdate val="0"/>
   </c:externalData>
-  <c:extLst>
+  <c:extLst xmlns:c16r2="http://schemas.microsoft.com/office/drawing/2015/06/chart">
+    <c:ext xmlns:c16="http://schemas.microsoft.com/office/drawing/2014/chart" uri="{E28EC0CA-F0BB-4C9C-879D-F8772B89E7AC}">
+      <c16:pivotOptions16>
+        <c16:showExpandCollapseFieldButtons val="1"/>
+      </c16:pivotOptions16>
+    </c:ext>
     <c:ext xmlns:c14="http://schemas.microsoft.com/office/drawing/2007/8/2/chart" uri="{781A3756-C4B2-4CAC-9D66-4F8BD8637D16}">
       <c14:pivotOptions>
         <c14:dropZoneFilter val="1"/>
@@ -6687,17 +6632,12 @@
         <c14:dropZonesVisible val="1"/>
       </c14:pivotOptions>
     </c:ext>
-    <c:ext xmlns:c16="http://schemas.microsoft.com/office/drawing/2014/chart" uri="{E28EC0CA-F0BB-4C9C-879D-F8772B89E7AC}">
-      <c16:pivotOptions16>
-        <c16:showExpandCollapseFieldButtons val="1"/>
-      </c16:pivotOptions16>
-    </c:ext>
   </c:extLst>
 </c:chartSpace>
 </file>
 
 <file path=ppt/charts/chart4.xml><?xml version="1.0" encoding="utf-8"?>
-<c:chartSpace xmlns:c="http://schemas.openxmlformats.org/drawingml/2006/chart" xmlns:a="http://schemas.openxmlformats.org/drawingml/2006/main" xmlns:r="http://schemas.openxmlformats.org/officeDocument/2006/relationships" xmlns:c16r2="http://schemas.microsoft.com/office/drawing/2015/06/chart">
+<c:chartSpace xmlns:c="http://schemas.openxmlformats.org/drawingml/2006/chart" xmlns:a="http://schemas.openxmlformats.org/drawingml/2006/main" xmlns:r="http://schemas.openxmlformats.org/officeDocument/2006/relationships">
   <c:date1904 val="0"/>
   <c:lang val="en-US"/>
   <c:roundedCorners val="0"/>
@@ -6741,6 +6681,7 @@
           </a:p>
         </c:rich>
       </c:tx>
+      <c:layout/>
       <c:overlay val="0"/>
       <c:spPr>
         <a:noFill/>
@@ -8432,7 +8373,7 @@
             </c:numRef>
           </c:yVal>
           <c:smooth val="0"/>
-          <c:extLst>
+          <c:extLst xmlns:c16r2="http://schemas.microsoft.com/office/drawing/2015/06/chart">
             <c:ext xmlns:c16="http://schemas.microsoft.com/office/drawing/2014/chart" uri="{C3380CC4-5D6E-409C-BE32-E72D297353CC}">
               <c16:uniqueId val="{00000001-054B-417C-B1CD-76821E7BC799}"/>
             </c:ext>
@@ -8446,11 +8387,11 @@
           <c:showPercent val="0"/>
           <c:showBubbleSize val="0"/>
         </c:dLbls>
-        <c:axId val="58161792"/>
-        <c:axId val="77273728"/>
+        <c:axId val="91083520"/>
+        <c:axId val="91085440"/>
       </c:scatterChart>
       <c:valAx>
-        <c:axId val="58161792"/>
+        <c:axId val="91083520"/>
         <c:scaling>
           <c:orientation val="minMax"/>
           <c:min val="100000"/>
@@ -8483,6 +8424,7 @@
               </a:p>
             </c:rich>
           </c:tx>
+          <c:layout/>
           <c:overlay val="0"/>
           <c:spPr>
             <a:noFill/>
@@ -8529,12 +8471,12 @@
             <a:endParaRPr lang="en-US"/>
           </a:p>
         </c:txPr>
-        <c:crossAx val="77273728"/>
+        <c:crossAx val="91085440"/>
         <c:crosses val="autoZero"/>
         <c:crossBetween val="midCat"/>
       </c:valAx>
       <c:valAx>
-        <c:axId val="77273728"/>
+        <c:axId val="91085440"/>
         <c:scaling>
           <c:orientation val="minMax"/>
           <c:max val="600"/>
@@ -8582,6 +8524,7 @@
               </a:p>
             </c:rich>
           </c:tx>
+          <c:layout/>
           <c:overlay val="0"/>
           <c:spPr>
             <a:noFill/>
@@ -8628,7 +8571,7 @@
             <a:endParaRPr lang="en-US"/>
           </a:p>
         </c:txPr>
-        <c:crossAx val="58161792"/>
+        <c:crossAx val="91083520"/>
         <c:crosses val="autoZero"/>
         <c:crossBetween val="midCat"/>
       </c:valAx>
@@ -8642,14 +8585,14 @@
     </c:plotArea>
     <c:plotVisOnly val="1"/>
     <c:dispBlanksAs val="gap"/>
-    <c:extLst>
+    <c:showDLblsOverMax val="0"/>
+    <c:extLst xmlns:c16r2="http://schemas.microsoft.com/office/drawing/2015/06/chart">
       <c:ext xmlns:c16r3="http://schemas.microsoft.com/office/drawing/2017/03/chart" uri="{56B9EC1D-385E-4148-901F-78D8002777C0}">
         <c16r3:dataDisplayOptions16>
           <c16r3:dispNaAsBlank val="1"/>
         </c16r3:dataDisplayOptions16>
       </c:ext>
     </c:extLst>
-    <c:showDLblsOverMax val="0"/>
   </c:chart>
   <c:spPr>
     <a:solidFill>
@@ -8685,7 +8628,7 @@
 </file>
 
 <file path=ppt/charts/chart5.xml><?xml version="1.0" encoding="utf-8"?>
-<c:chartSpace xmlns:c="http://schemas.openxmlformats.org/drawingml/2006/chart" xmlns:a="http://schemas.openxmlformats.org/drawingml/2006/main" xmlns:r="http://schemas.openxmlformats.org/officeDocument/2006/relationships" xmlns:c16r2="http://schemas.microsoft.com/office/drawing/2015/06/chart">
+<c:chartSpace xmlns:c="http://schemas.openxmlformats.org/drawingml/2006/chart" xmlns:a="http://schemas.openxmlformats.org/drawingml/2006/main" xmlns:r="http://schemas.openxmlformats.org/officeDocument/2006/relationships">
   <c:date1904 val="0"/>
   <c:lang val="en-US"/>
   <c:roundedCorners val="0"/>
@@ -10426,7 +10369,7 @@
             </c:numRef>
           </c:yVal>
           <c:smooth val="0"/>
-          <c:extLst>
+          <c:extLst xmlns:c16r2="http://schemas.microsoft.com/office/drawing/2015/06/chart">
             <c:ext xmlns:c16="http://schemas.microsoft.com/office/drawing/2014/chart" uri="{C3380CC4-5D6E-409C-BE32-E72D297353CC}">
               <c16:uniqueId val="{00000001-1E9F-46D7-B78C-B17A2C66CD55}"/>
             </c:ext>
@@ -10440,11 +10383,11 @@
           <c:showPercent val="0"/>
           <c:showBubbleSize val="0"/>
         </c:dLbls>
-        <c:axId val="58242944"/>
-        <c:axId val="68010368"/>
+        <c:axId val="91215744"/>
+        <c:axId val="91222016"/>
       </c:scatterChart>
       <c:valAx>
-        <c:axId val="58242944"/>
+        <c:axId val="91215744"/>
         <c:scaling>
           <c:orientation val="minMax"/>
           <c:max val="200000"/>
@@ -10478,6 +10421,7 @@
               </a:p>
             </c:rich>
           </c:tx>
+          <c:layout/>
           <c:overlay val="0"/>
           <c:spPr>
             <a:noFill/>
@@ -10524,12 +10468,12 @@
             <a:endParaRPr lang="en-US"/>
           </a:p>
         </c:txPr>
-        <c:crossAx val="68010368"/>
+        <c:crossAx val="91222016"/>
         <c:crosses val="autoZero"/>
         <c:crossBetween val="midCat"/>
       </c:valAx>
       <c:valAx>
-        <c:axId val="68010368"/>
+        <c:axId val="91222016"/>
         <c:scaling>
           <c:orientation val="minMax"/>
         </c:scaling>
@@ -10575,6 +10519,7 @@
               </a:p>
             </c:rich>
           </c:tx>
+          <c:layout/>
           <c:overlay val="0"/>
           <c:spPr>
             <a:noFill/>
@@ -10621,7 +10566,7 @@
             <a:endParaRPr lang="en-US"/>
           </a:p>
         </c:txPr>
-        <c:crossAx val="58242944"/>
+        <c:crossAx val="91215744"/>
         <c:crosses val="autoZero"/>
         <c:crossBetween val="midCat"/>
       </c:valAx>
@@ -10635,14 +10580,14 @@
     </c:plotArea>
     <c:plotVisOnly val="1"/>
     <c:dispBlanksAs val="gap"/>
-    <c:extLst>
+    <c:showDLblsOverMax val="0"/>
+    <c:extLst xmlns:c16r2="http://schemas.microsoft.com/office/drawing/2015/06/chart">
       <c:ext xmlns:c16r3="http://schemas.microsoft.com/office/drawing/2017/03/chart" uri="{56B9EC1D-385E-4148-901F-78D8002777C0}">
         <c16r3:dataDisplayOptions16>
           <c16r3:dispNaAsBlank val="1"/>
         </c16r3:dataDisplayOptions16>
       </c:ext>
     </c:extLst>
-    <c:showDLblsOverMax val="0"/>
   </c:chart>
   <c:spPr>
     <a:solidFill>
@@ -10678,7 +10623,7 @@
 </file>
 
 <file path=ppt/charts/chart6.xml><?xml version="1.0" encoding="utf-8"?>
-<c:chartSpace xmlns:c="http://schemas.openxmlformats.org/drawingml/2006/chart" xmlns:a="http://schemas.openxmlformats.org/drawingml/2006/main" xmlns:r="http://schemas.openxmlformats.org/officeDocument/2006/relationships" xmlns:c16r2="http://schemas.microsoft.com/office/drawing/2015/06/chart">
+<c:chartSpace xmlns:c="http://schemas.openxmlformats.org/drawingml/2006/chart" xmlns:a="http://schemas.openxmlformats.org/drawingml/2006/main" xmlns:r="http://schemas.openxmlformats.org/officeDocument/2006/relationships">
   <c:date1904 val="0"/>
   <c:lang val="en-US"/>
   <c:roundedCorners val="0"/>
@@ -12415,7 +12360,7 @@
             </c:numRef>
           </c:yVal>
           <c:smooth val="0"/>
-          <c:extLst>
+          <c:extLst xmlns:c16r2="http://schemas.microsoft.com/office/drawing/2015/06/chart">
             <c:ext xmlns:c16="http://schemas.microsoft.com/office/drawing/2014/chart" uri="{C3380CC4-5D6E-409C-BE32-E72D297353CC}">
               <c16:uniqueId val="{00000001-A5D9-42CE-B59F-4A999EE10FAC}"/>
             </c:ext>
@@ -12429,17 +12374,18 @@
           <c:showPercent val="0"/>
           <c:showBubbleSize val="0"/>
         </c:dLbls>
-        <c:axId val="77118848"/>
-        <c:axId val="77293056"/>
+        <c:axId val="91584768"/>
+        <c:axId val="91595136"/>
       </c:scatterChart>
       <c:valAx>
-        <c:axId val="77118848"/>
+        <c:axId val="91584768"/>
         <c:scaling>
           <c:orientation val="minMax"/>
         </c:scaling>
         <c:delete val="0"/>
         <c:axPos val="b"/>
         <c:title>
+          <c:layout/>
           <c:overlay val="0"/>
           <c:spPr>
             <a:noFill/>
@@ -12506,12 +12452,12 @@
             <a:endParaRPr lang="en-US"/>
           </a:p>
         </c:txPr>
-        <c:crossAx val="77293056"/>
+        <c:crossAx val="91595136"/>
         <c:crosses val="autoZero"/>
         <c:crossBetween val="midCat"/>
       </c:valAx>
       <c:valAx>
-        <c:axId val="77293056"/>
+        <c:axId val="91595136"/>
         <c:scaling>
           <c:orientation val="minMax"/>
         </c:scaling>
@@ -12532,6 +12478,7 @@
           </c:spPr>
         </c:majorGridlines>
         <c:title>
+          <c:layout/>
           <c:overlay val="0"/>
           <c:spPr>
             <a:noFill/>
@@ -12598,7 +12545,7 @@
             <a:endParaRPr lang="en-US"/>
           </a:p>
         </c:txPr>
-        <c:crossAx val="77118848"/>
+        <c:crossAx val="91584768"/>
         <c:crosses val="autoZero"/>
         <c:crossBetween val="midCat"/>
       </c:valAx>
@@ -12612,14 +12559,14 @@
     </c:plotArea>
     <c:plotVisOnly val="1"/>
     <c:dispBlanksAs val="gap"/>
-    <c:extLst>
+    <c:showDLblsOverMax val="0"/>
+    <c:extLst xmlns:c16r2="http://schemas.microsoft.com/office/drawing/2015/06/chart">
       <c:ext xmlns:c16r3="http://schemas.microsoft.com/office/drawing/2017/03/chart" uri="{56B9EC1D-385E-4148-901F-78D8002777C0}">
         <c16r3:dataDisplayOptions16>
           <c16r3:dispNaAsBlank val="1"/>
         </c16r3:dataDisplayOptions16>
       </c:ext>
     </c:extLst>
-    <c:showDLblsOverMax val="0"/>
   </c:chart>
   <c:spPr>
     <a:solidFill>
@@ -12655,7 +12602,7 @@
 </file>
 
 <file path=ppt/charts/chart7.xml><?xml version="1.0" encoding="utf-8"?>
-<c:chartSpace xmlns:c="http://schemas.openxmlformats.org/drawingml/2006/chart" xmlns:a="http://schemas.openxmlformats.org/drawingml/2006/main" xmlns:r="http://schemas.openxmlformats.org/officeDocument/2006/relationships" xmlns:c16r2="http://schemas.microsoft.com/office/drawing/2015/06/chart">
+<c:chartSpace xmlns:c="http://schemas.openxmlformats.org/drawingml/2006/chart" xmlns:a="http://schemas.openxmlformats.org/drawingml/2006/main" xmlns:r="http://schemas.openxmlformats.org/officeDocument/2006/relationships">
   <c:date1904 val="0"/>
   <c:lang val="en-US"/>
   <c:roundedCorners val="0"/>
@@ -12684,6 +12631,7 @@
           </a:p>
         </c:rich>
       </c:tx>
+      <c:layout/>
       <c:overlay val="0"/>
     </c:title>
     <c:autoTitleDeleted val="0"/>
@@ -14321,7 +14269,7 @@
             </c:numRef>
           </c:yVal>
           <c:smooth val="0"/>
-          <c:extLst>
+          <c:extLst xmlns:c16r2="http://schemas.microsoft.com/office/drawing/2015/06/chart">
             <c:ext xmlns:c16="http://schemas.microsoft.com/office/drawing/2014/chart" uri="{C3380CC4-5D6E-409C-BE32-E72D297353CC}">
               <c16:uniqueId val="{00000001-A3C2-4BF1-9415-25693847625E}"/>
             </c:ext>
@@ -14335,11 +14283,11 @@
           <c:showPercent val="0"/>
           <c:showBubbleSize val="0"/>
         </c:dLbls>
-        <c:axId val="58162176"/>
-        <c:axId val="58246272"/>
+        <c:axId val="96360704"/>
+        <c:axId val="96375168"/>
       </c:scatterChart>
       <c:valAx>
-        <c:axId val="58162176"/>
+        <c:axId val="96360704"/>
         <c:scaling>
           <c:orientation val="minMax"/>
           <c:max val="400"/>
@@ -14363,18 +14311,19 @@
               </a:p>
             </c:rich>
           </c:tx>
+          <c:layout/>
           <c:overlay val="0"/>
         </c:title>
         <c:numFmt formatCode="General" sourceLinked="1"/>
         <c:majorTickMark val="out"/>
         <c:minorTickMark val="none"/>
         <c:tickLblPos val="nextTo"/>
-        <c:crossAx val="58246272"/>
+        <c:crossAx val="96375168"/>
         <c:crosses val="autoZero"/>
         <c:crossBetween val="midCat"/>
       </c:valAx>
       <c:valAx>
-        <c:axId val="58246272"/>
+        <c:axId val="96375168"/>
         <c:scaling>
           <c:orientation val="minMax"/>
           <c:max val="1.5"/>
@@ -14399,13 +14348,14 @@
               </a:p>
             </c:rich>
           </c:tx>
+          <c:layout/>
           <c:overlay val="0"/>
         </c:title>
         <c:numFmt formatCode="General" sourceLinked="1"/>
         <c:majorTickMark val="out"/>
         <c:minorTickMark val="none"/>
         <c:tickLblPos val="nextTo"/>
-        <c:crossAx val="58162176"/>
+        <c:crossAx val="96360704"/>
         <c:crosses val="autoZero"/>
         <c:crossBetween val="midCat"/>
       </c:valAx>
@@ -14428,7 +14378,7 @@
 </file>
 
 <file path=ppt/charts/chart8.xml><?xml version="1.0" encoding="utf-8"?>
-<c:chartSpace xmlns:c="http://schemas.openxmlformats.org/drawingml/2006/chart" xmlns:a="http://schemas.openxmlformats.org/drawingml/2006/main" xmlns:r="http://schemas.openxmlformats.org/officeDocument/2006/relationships" xmlns:c16r2="http://schemas.microsoft.com/office/drawing/2015/06/chart">
+<c:chartSpace xmlns:c="http://schemas.openxmlformats.org/drawingml/2006/chart" xmlns:a="http://schemas.openxmlformats.org/drawingml/2006/main" xmlns:r="http://schemas.openxmlformats.org/officeDocument/2006/relationships">
   <c:date1904 val="0"/>
   <c:lang val="en-US"/>
   <c:roundedCorners val="0"/>
@@ -14462,6 +14412,7 @@
           </a:p>
         </c:rich>
       </c:tx>
+      <c:layout/>
       <c:overlay val="0"/>
     </c:title>
     <c:autoTitleDeleted val="0"/>
@@ -16094,7 +16045,7 @@
             </c:numRef>
           </c:yVal>
           <c:smooth val="0"/>
-          <c:extLst>
+          <c:extLst xmlns:c16r2="http://schemas.microsoft.com/office/drawing/2015/06/chart">
             <c:ext xmlns:c16="http://schemas.microsoft.com/office/drawing/2014/chart" uri="{C3380CC4-5D6E-409C-BE32-E72D297353CC}">
               <c16:uniqueId val="{00000001-C57F-4C03-91A5-A15DE79C2466}"/>
             </c:ext>
@@ -16108,11 +16059,11 @@
           <c:showPercent val="0"/>
           <c:showBubbleSize val="0"/>
         </c:dLbls>
-        <c:axId val="78049280"/>
-        <c:axId val="78051584"/>
+        <c:axId val="96409856"/>
+        <c:axId val="96432512"/>
       </c:scatterChart>
       <c:valAx>
-        <c:axId val="78049280"/>
+        <c:axId val="96409856"/>
         <c:scaling>
           <c:orientation val="minMax"/>
         </c:scaling>
@@ -16134,18 +16085,19 @@
               </a:p>
             </c:rich>
           </c:tx>
+          <c:layout/>
           <c:overlay val="0"/>
         </c:title>
         <c:numFmt formatCode="General" sourceLinked="1"/>
         <c:majorTickMark val="out"/>
         <c:minorTickMark val="none"/>
         <c:tickLblPos val="nextTo"/>
-        <c:crossAx val="78051584"/>
+        <c:crossAx val="96432512"/>
         <c:crosses val="autoZero"/>
         <c:crossBetween val="midCat"/>
       </c:valAx>
       <c:valAx>
-        <c:axId val="78051584"/>
+        <c:axId val="96432512"/>
         <c:scaling>
           <c:orientation val="minMax"/>
         </c:scaling>
@@ -16168,13 +16120,14 @@
               </a:p>
             </c:rich>
           </c:tx>
+          <c:layout/>
           <c:overlay val="0"/>
         </c:title>
         <c:numFmt formatCode="General" sourceLinked="1"/>
         <c:majorTickMark val="out"/>
         <c:minorTickMark val="none"/>
         <c:tickLblPos val="nextTo"/>
-        <c:crossAx val="78049280"/>
+        <c:crossAx val="96409856"/>
         <c:crosses val="autoZero"/>
         <c:crossBetween val="midCat"/>
       </c:valAx>
@@ -18941,6 +18894,13 @@
         </dgm:presLayoutVars>
       </dgm:prSet>
       <dgm:spPr/>
+      <dgm:t>
+        <a:bodyPr/>
+        <a:lstStyle/>
+        <a:p>
+          <a:endParaRPr lang="en-US"/>
+        </a:p>
+      </dgm:t>
     </dgm:pt>
     <dgm:pt modelId="{1DA6F9F3-4A7F-42F9-8B77-7BD552F03105}" type="pres">
       <dgm:prSet presAssocID="{E754A2A0-41CE-428B-9DDC-DCD1FD12D16A}" presName="compNode" presStyleCnt="0"/>
@@ -18956,7 +18916,7 @@
                 <a14:useLocalDpi xmlns:a14="http://schemas.microsoft.com/office/drawing/2010/main" val="0"/>
               </a:ext>
               <a:ext uri="{96DAC541-7B7A-43D3-8B79-37D633B846F1}">
-                <asvg:svgBlip xmlns:asvg="http://schemas.microsoft.com/office/drawing/2016/SVG/main" r:embed="rId2"/>
+                <asvg:svgBlip xmlns="" xmlns:asvg="http://schemas.microsoft.com/office/drawing/2016/SVG/main" r:embed="rId2"/>
               </a:ext>
             </a:extLst>
           </a:blip>
@@ -18986,6 +18946,13 @@
         </dgm:presLayoutVars>
       </dgm:prSet>
       <dgm:spPr/>
+      <dgm:t>
+        <a:bodyPr/>
+        <a:lstStyle/>
+        <a:p>
+          <a:endParaRPr lang="en-US"/>
+        </a:p>
+      </dgm:t>
     </dgm:pt>
     <dgm:pt modelId="{E3A03C26-8C60-4D73-A4C2-0678A1DD3B31}" type="pres">
       <dgm:prSet presAssocID="{E754A2A0-41CE-428B-9DDC-DCD1FD12D16A}" presName="txSpace" presStyleCnt="0"/>
@@ -18996,6 +18963,13 @@
         <dgm:presLayoutVars/>
       </dgm:prSet>
       <dgm:spPr/>
+      <dgm:t>
+        <a:bodyPr/>
+        <a:lstStyle/>
+        <a:p>
+          <a:endParaRPr lang="en-US"/>
+        </a:p>
+      </dgm:t>
     </dgm:pt>
     <dgm:pt modelId="{2564C0D4-4875-421D-81DB-70BF6751BBA7}" type="pres">
       <dgm:prSet presAssocID="{02D8D4EF-9694-45C7-AF26-E20371B3C352}" presName="sibTrans" presStyleCnt="0"/>
@@ -19015,7 +18989,7 @@
                 <a14:useLocalDpi xmlns:a14="http://schemas.microsoft.com/office/drawing/2010/main" val="0"/>
               </a:ext>
               <a:ext uri="{96DAC541-7B7A-43D3-8B79-37D633B846F1}">
-                <asvg:svgBlip xmlns:asvg="http://schemas.microsoft.com/office/drawing/2016/SVG/main" r:embed="rId4"/>
+                <asvg:svgBlip xmlns="" xmlns:asvg="http://schemas.microsoft.com/office/drawing/2016/SVG/main" r:embed="rId4"/>
               </a:ext>
             </a:extLst>
           </a:blip>
@@ -19045,6 +19019,13 @@
         </dgm:presLayoutVars>
       </dgm:prSet>
       <dgm:spPr/>
+      <dgm:t>
+        <a:bodyPr/>
+        <a:lstStyle/>
+        <a:p>
+          <a:endParaRPr lang="en-US"/>
+        </a:p>
+      </dgm:t>
     </dgm:pt>
     <dgm:pt modelId="{C393D316-1AB7-4A24-B8A5-3485F2713F88}" type="pres">
       <dgm:prSet presAssocID="{DCCE571A-4D30-4294-ABAF-6885F619D2D9}" presName="txSpace" presStyleCnt="0"/>
@@ -19055,6 +19036,13 @@
         <dgm:presLayoutVars/>
       </dgm:prSet>
       <dgm:spPr/>
+      <dgm:t>
+        <a:bodyPr/>
+        <a:lstStyle/>
+        <a:p>
+          <a:endParaRPr lang="en-US"/>
+        </a:p>
+      </dgm:t>
     </dgm:pt>
     <dgm:pt modelId="{9A7327AD-D2A8-4CB1-B3E0-7543B1D84369}" type="pres">
       <dgm:prSet presAssocID="{2C1DF6EC-6090-4926-A556-3D2417B7F2AA}" presName="sibTrans" presStyleCnt="0"/>
@@ -19074,7 +19062,7 @@
                 <a14:useLocalDpi xmlns:a14="http://schemas.microsoft.com/office/drawing/2010/main" val="0"/>
               </a:ext>
               <a:ext uri="{96DAC541-7B7A-43D3-8B79-37D633B846F1}">
-                <asvg:svgBlip xmlns:asvg="http://schemas.microsoft.com/office/drawing/2016/SVG/main" r:embed="rId6"/>
+                <asvg:svgBlip xmlns="" xmlns:asvg="http://schemas.microsoft.com/office/drawing/2016/SVG/main" r:embed="rId6"/>
               </a:ext>
             </a:extLst>
           </a:blip>
@@ -19104,6 +19092,13 @@
         </dgm:presLayoutVars>
       </dgm:prSet>
       <dgm:spPr/>
+      <dgm:t>
+        <a:bodyPr/>
+        <a:lstStyle/>
+        <a:p>
+          <a:endParaRPr lang="en-US"/>
+        </a:p>
+      </dgm:t>
     </dgm:pt>
     <dgm:pt modelId="{62A868A2-37A4-4832-B3F5-E1EA98BA3648}" type="pres">
       <dgm:prSet presAssocID="{1C1B28B7-2609-4BAA-AAAB-5801EDFD334C}" presName="txSpace" presStyleCnt="0"/>
@@ -19114,22 +19109,29 @@
         <dgm:presLayoutVars/>
       </dgm:prSet>
       <dgm:spPr/>
+      <dgm:t>
+        <a:bodyPr/>
+        <a:lstStyle/>
+        <a:p>
+          <a:endParaRPr lang="en-US"/>
+        </a:p>
+      </dgm:t>
     </dgm:pt>
   </dgm:ptLst>
   <dgm:cxnLst>
-    <dgm:cxn modelId="{079E1015-BF7E-499A-99C0-BA5607789253}" type="presOf" srcId="{E754A2A0-41CE-428B-9DDC-DCD1FD12D16A}" destId="{DF27DA54-DCB6-45F4-890E-F7DCC5A4BE12}" srcOrd="0" destOrd="0" presId="urn:microsoft.com/office/officeart/2018/5/layout/CenteredIconLabelDescriptionList"/>
-    <dgm:cxn modelId="{05037335-2E5B-48BE-86A9-5372B1A16299}" srcId="{E817CCF5-DA3F-4E5F-BE7C-D8111B2BFEBA}" destId="{1C1B28B7-2609-4BAA-AAAB-5801EDFD334C}" srcOrd="2" destOrd="0" parTransId="{2BF5F791-D223-44A4-B231-6C3F4B786D08}" sibTransId="{A432C086-9156-4D32-A06E-6E237CC66D92}"/>
-    <dgm:cxn modelId="{1CCE1B3A-0A40-44CD-A839-C37BCA6E0D94}" type="presOf" srcId="{B4C55E9F-B5C0-4AD1-919B-D2D83AC9CD40}" destId="{7CD40649-A74C-4AD8-B9D0-2573A1955C91}" srcOrd="0" destOrd="0" presId="urn:microsoft.com/office/officeart/2018/5/layout/CenteredIconLabelDescriptionList"/>
-    <dgm:cxn modelId="{C5FF5745-4781-44B9-BC29-74DCE41C1172}" type="presOf" srcId="{DCCE571A-4D30-4294-ABAF-6885F619D2D9}" destId="{3C1752BD-6530-4141-80E9-9A0923780DCB}" srcOrd="0" destOrd="0" presId="urn:microsoft.com/office/officeart/2018/5/layout/CenteredIconLabelDescriptionList"/>
-    <dgm:cxn modelId="{6F7E1B4A-66A4-466F-97C5-ED0892509BF2}" type="presOf" srcId="{28C188E4-A3B1-47AF-802E-B2DED21921BA}" destId="{6418EBED-F111-425B-8EE2-06B8B2297A68}" srcOrd="0" destOrd="0" presId="urn:microsoft.com/office/officeart/2018/5/layout/CenteredIconLabelDescriptionList"/>
-    <dgm:cxn modelId="{B807BF75-BC86-4A84-AB83-7B8BC68E737C}" srcId="{1C1B28B7-2609-4BAA-AAAB-5801EDFD334C}" destId="{28C188E4-A3B1-47AF-802E-B2DED21921BA}" srcOrd="0" destOrd="0" parTransId="{C89C556F-BA69-4B68-9F7C-1121B26764B0}" sibTransId="{7BEFF1EA-4DB5-4BD3-A89B-DF0184626A1A}"/>
+    <dgm:cxn modelId="{7A243DB8-C0B8-4718-B558-CE939B8FF03E}" srcId="{E754A2A0-41CE-428B-9DDC-DCD1FD12D16A}" destId="{C2F66EED-74C3-4F36-A1D4-8AFCBB009938}" srcOrd="0" destOrd="0" parTransId="{5CF5C62A-BD1A-4922-92B6-33ECA44C1F76}" sibTransId="{F9BAA161-AAEC-4A41-B4D9-A27EAD80526E}"/>
     <dgm:cxn modelId="{4D6131AC-1805-4438-A39D-4F587C933D11}" type="presOf" srcId="{E817CCF5-DA3F-4E5F-BE7C-D8111B2BFEBA}" destId="{071926C8-9E08-4BE0-A1E4-133B16FF713E}" srcOrd="0" destOrd="0" presId="urn:microsoft.com/office/officeart/2018/5/layout/CenteredIconLabelDescriptionList"/>
-    <dgm:cxn modelId="{7A243DB8-C0B8-4718-B558-CE939B8FF03E}" srcId="{E754A2A0-41CE-428B-9DDC-DCD1FD12D16A}" destId="{C2F66EED-74C3-4F36-A1D4-8AFCBB009938}" srcOrd="0" destOrd="0" parTransId="{5CF5C62A-BD1A-4922-92B6-33ECA44C1F76}" sibTransId="{F9BAA161-AAEC-4A41-B4D9-A27EAD80526E}"/>
     <dgm:cxn modelId="{507A74C7-FEAF-4A4C-9250-0613CBC2F127}" srcId="{E817CCF5-DA3F-4E5F-BE7C-D8111B2BFEBA}" destId="{E754A2A0-41CE-428B-9DDC-DCD1FD12D16A}" srcOrd="0" destOrd="0" parTransId="{BE164097-A5AA-4EA1-9E64-D7FCD4DD2A4E}" sibTransId="{02D8D4EF-9694-45C7-AF26-E20371B3C352}"/>
     <dgm:cxn modelId="{B51342D1-507F-4538-B2E7-CC8612277523}" type="presOf" srcId="{1C1B28B7-2609-4BAA-AAAB-5801EDFD334C}" destId="{C4D97C04-1692-4931-9A64-809D862C1739}" srcOrd="0" destOrd="0" presId="urn:microsoft.com/office/officeart/2018/5/layout/CenteredIconLabelDescriptionList"/>
+    <dgm:cxn modelId="{1CCE1B3A-0A40-44CD-A839-C37BCA6E0D94}" type="presOf" srcId="{B4C55E9F-B5C0-4AD1-919B-D2D83AC9CD40}" destId="{7CD40649-A74C-4AD8-B9D0-2573A1955C91}" srcOrd="0" destOrd="0" presId="urn:microsoft.com/office/officeart/2018/5/layout/CenteredIconLabelDescriptionList"/>
+    <dgm:cxn modelId="{05037335-2E5B-48BE-86A9-5372B1A16299}" srcId="{E817CCF5-DA3F-4E5F-BE7C-D8111B2BFEBA}" destId="{1C1B28B7-2609-4BAA-AAAB-5801EDFD334C}" srcOrd="2" destOrd="0" parTransId="{2BF5F791-D223-44A4-B231-6C3F4B786D08}" sibTransId="{A432C086-9156-4D32-A06E-6E237CC66D92}"/>
     <dgm:cxn modelId="{B2BEE9D2-644C-400C-8E33-2C4491C5B104}" srcId="{DCCE571A-4D30-4294-ABAF-6885F619D2D9}" destId="{B4C55E9F-B5C0-4AD1-919B-D2D83AC9CD40}" srcOrd="0" destOrd="0" parTransId="{D1B05DEA-DFE0-4560-B75F-1C2BCB67A7C6}" sibTransId="{A6301E27-5ACC-4907-A7C8-B41877235C87}"/>
+    <dgm:cxn modelId="{55A931F7-B2A3-4173-A574-A80CB726BAE2}" type="presOf" srcId="{C2F66EED-74C3-4F36-A1D4-8AFCBB009938}" destId="{DD091D0A-5A25-4241-91F3-18D32B0BDD4F}" srcOrd="0" destOrd="0" presId="urn:microsoft.com/office/officeart/2018/5/layout/CenteredIconLabelDescriptionList"/>
     <dgm:cxn modelId="{E70347E4-4461-4B80-8927-4CA0AEBFAAF8}" srcId="{E817CCF5-DA3F-4E5F-BE7C-D8111B2BFEBA}" destId="{DCCE571A-4D30-4294-ABAF-6885F619D2D9}" srcOrd="1" destOrd="0" parTransId="{3AD83C96-5A95-4337-BF2D-97454AF7F108}" sibTransId="{2C1DF6EC-6090-4926-A556-3D2417B7F2AA}"/>
-    <dgm:cxn modelId="{55A931F7-B2A3-4173-A574-A80CB726BAE2}" type="presOf" srcId="{C2F66EED-74C3-4F36-A1D4-8AFCBB009938}" destId="{DD091D0A-5A25-4241-91F3-18D32B0BDD4F}" srcOrd="0" destOrd="0" presId="urn:microsoft.com/office/officeart/2018/5/layout/CenteredIconLabelDescriptionList"/>
+    <dgm:cxn modelId="{C5FF5745-4781-44B9-BC29-74DCE41C1172}" type="presOf" srcId="{DCCE571A-4D30-4294-ABAF-6885F619D2D9}" destId="{3C1752BD-6530-4141-80E9-9A0923780DCB}" srcOrd="0" destOrd="0" presId="urn:microsoft.com/office/officeart/2018/5/layout/CenteredIconLabelDescriptionList"/>
+    <dgm:cxn modelId="{B807BF75-BC86-4A84-AB83-7B8BC68E737C}" srcId="{1C1B28B7-2609-4BAA-AAAB-5801EDFD334C}" destId="{28C188E4-A3B1-47AF-802E-B2DED21921BA}" srcOrd="0" destOrd="0" parTransId="{C89C556F-BA69-4B68-9F7C-1121B26764B0}" sibTransId="{7BEFF1EA-4DB5-4BD3-A89B-DF0184626A1A}"/>
+    <dgm:cxn modelId="{6F7E1B4A-66A4-466F-97C5-ED0892509BF2}" type="presOf" srcId="{28C188E4-A3B1-47AF-802E-B2DED21921BA}" destId="{6418EBED-F111-425B-8EE2-06B8B2297A68}" srcOrd="0" destOrd="0" presId="urn:microsoft.com/office/officeart/2018/5/layout/CenteredIconLabelDescriptionList"/>
+    <dgm:cxn modelId="{079E1015-BF7E-499A-99C0-BA5607789253}" type="presOf" srcId="{E754A2A0-41CE-428B-9DDC-DCD1FD12D16A}" destId="{DF27DA54-DCB6-45F4-890E-F7DCC5A4BE12}" srcOrd="0" destOrd="0" presId="urn:microsoft.com/office/officeart/2018/5/layout/CenteredIconLabelDescriptionList"/>
     <dgm:cxn modelId="{87DD2528-CB43-4F2F-AD70-34B2C76F4974}" type="presParOf" srcId="{071926C8-9E08-4BE0-A1E4-133B16FF713E}" destId="{1DA6F9F3-4A7F-42F9-8B77-7BD552F03105}" srcOrd="0" destOrd="0" presId="urn:microsoft.com/office/officeart/2018/5/layout/CenteredIconLabelDescriptionList"/>
     <dgm:cxn modelId="{C7D85599-D34F-41B3-ACEB-0C058EB1F61E}" type="presParOf" srcId="{1DA6F9F3-4A7F-42F9-8B77-7BD552F03105}" destId="{AF72813A-2810-4A52-BE92-611D54918694}" srcOrd="0" destOrd="0" presId="urn:microsoft.com/office/officeart/2018/5/layout/CenteredIconLabelDescriptionList"/>
     <dgm:cxn modelId="{C48669E0-1E6E-4350-9DF8-08B6FB55FE83}" type="presParOf" srcId="{1DA6F9F3-4A7F-42F9-8B77-7BD552F03105}" destId="{0FF9AC2C-F836-43CA-8259-A20F609F4C83}" srcOrd="1" destOrd="0" presId="urn:microsoft.com/office/officeart/2018/5/layout/CenteredIconLabelDescriptionList"/>
@@ -19189,7 +19191,7 @@
                 <a14:useLocalDpi xmlns:a14="http://schemas.microsoft.com/office/drawing/2010/main" val="0"/>
               </a:ext>
               <a:ext uri="{96DAC541-7B7A-43D3-8B79-37D633B846F1}">
-                <asvg:svgBlip xmlns:asvg="http://schemas.microsoft.com/office/drawing/2016/SVG/main" r:embed="rId2"/>
+                <asvg:svgBlip xmlns="" xmlns:asvg="http://schemas.microsoft.com/office/drawing/2016/SVG/main" r:embed="rId2"/>
               </a:ext>
             </a:extLst>
           </a:blip>
@@ -19255,7 +19257,7 @@
         </a:bodyPr>
         <a:lstStyle/>
         <a:p>
-          <a:pPr marL="0" lvl="0" indent="0" algn="ctr" defTabSz="1333500">
+          <a:pPr lvl="0" algn="ctr" defTabSz="1377950">
             <a:lnSpc>
               <a:spcPct val="100000"/>
             </a:lnSpc>
@@ -19265,11 +19267,10 @@
             <a:spcAft>
               <a:spcPct val="35000"/>
             </a:spcAft>
-            <a:buNone/>
             <a:defRPr b="1"/>
           </a:pPr>
           <a:r>
-            <a:rPr lang="en-US" sz="3000" kern="1200" dirty="0"/>
+            <a:rPr lang="en-US" sz="3100" kern="1200" dirty="0"/>
             <a:t>VOLUME</a:t>
           </a:r>
         </a:p>
@@ -19316,7 +19317,7 @@
         </a:bodyPr>
         <a:lstStyle/>
         <a:p>
-          <a:pPr marL="0" lvl="0" indent="0" algn="ctr" defTabSz="755650">
+          <a:pPr lvl="0" algn="ctr" defTabSz="755650">
             <a:lnSpc>
               <a:spcPct val="100000"/>
             </a:lnSpc>
@@ -19326,7 +19327,6 @@
             <a:spcAft>
               <a:spcPct val="35000"/>
             </a:spcAft>
-            <a:buNone/>
           </a:pPr>
           <a:endParaRPr lang="en-US" sz="1700" kern="1200" dirty="0"/>
         </a:p>
@@ -19356,7 +19356,7 @@
                 <a14:useLocalDpi xmlns:a14="http://schemas.microsoft.com/office/drawing/2010/main" val="0"/>
               </a:ext>
               <a:ext uri="{96DAC541-7B7A-43D3-8B79-37D633B846F1}">
-                <asvg:svgBlip xmlns:asvg="http://schemas.microsoft.com/office/drawing/2016/SVG/main" r:embed="rId4"/>
+                <asvg:svgBlip xmlns="" xmlns:asvg="http://schemas.microsoft.com/office/drawing/2016/SVG/main" r:embed="rId4"/>
               </a:ext>
             </a:extLst>
           </a:blip>
@@ -19422,7 +19422,7 @@
         </a:bodyPr>
         <a:lstStyle/>
         <a:p>
-          <a:pPr marL="0" lvl="0" indent="0" algn="ctr" defTabSz="1333500">
+          <a:pPr lvl="0" algn="ctr" defTabSz="1377950">
             <a:lnSpc>
               <a:spcPct val="100000"/>
             </a:lnSpc>
@@ -19432,11 +19432,10 @@
             <a:spcAft>
               <a:spcPct val="35000"/>
             </a:spcAft>
-            <a:buNone/>
             <a:defRPr b="1"/>
           </a:pPr>
           <a:r>
-            <a:rPr lang="en-US" sz="3000" kern="1200" dirty="0"/>
+            <a:rPr lang="en-US" sz="3100" kern="1200" dirty="0"/>
             <a:t>PRICE</a:t>
           </a:r>
         </a:p>
@@ -19483,7 +19482,7 @@
         </a:bodyPr>
         <a:lstStyle/>
         <a:p>
-          <a:pPr marL="0" lvl="0" indent="0" algn="ctr" defTabSz="755650">
+          <a:pPr lvl="0" algn="ctr" defTabSz="755650">
             <a:lnSpc>
               <a:spcPct val="100000"/>
             </a:lnSpc>
@@ -19493,7 +19492,6 @@
             <a:spcAft>
               <a:spcPct val="35000"/>
             </a:spcAft>
-            <a:buNone/>
           </a:pPr>
           <a:endParaRPr lang="en-US" sz="1700" kern="1200" dirty="0"/>
         </a:p>
@@ -19523,7 +19521,7 @@
                 <a14:useLocalDpi xmlns:a14="http://schemas.microsoft.com/office/drawing/2010/main" val="0"/>
               </a:ext>
               <a:ext uri="{96DAC541-7B7A-43D3-8B79-37D633B846F1}">
-                <asvg:svgBlip xmlns:asvg="http://schemas.microsoft.com/office/drawing/2016/SVG/main" r:embed="rId6"/>
+                <asvg:svgBlip xmlns="" xmlns:asvg="http://schemas.microsoft.com/office/drawing/2016/SVG/main" r:embed="rId6"/>
               </a:ext>
             </a:extLst>
           </a:blip>
@@ -19589,7 +19587,7 @@
         </a:bodyPr>
         <a:lstStyle/>
         <a:p>
-          <a:pPr marL="0" lvl="0" indent="0" algn="ctr" defTabSz="1333500">
+          <a:pPr lvl="0" algn="ctr" defTabSz="1377950">
             <a:lnSpc>
               <a:spcPct val="100000"/>
             </a:lnSpc>
@@ -19599,11 +19597,10 @@
             <a:spcAft>
               <a:spcPct val="35000"/>
             </a:spcAft>
-            <a:buNone/>
             <a:defRPr b="1"/>
           </a:pPr>
           <a:r>
-            <a:rPr lang="en-US" sz="3000" kern="1200" dirty="0"/>
+            <a:rPr lang="en-US" sz="3100" kern="1200" dirty="0"/>
             <a:t>Profit/Loss(P/L)</a:t>
           </a:r>
         </a:p>
@@ -19650,7 +19647,7 @@
         </a:bodyPr>
         <a:lstStyle/>
         <a:p>
-          <a:pPr marL="0" lvl="0" indent="0" algn="ctr" defTabSz="755650">
+          <a:pPr lvl="0" algn="ctr" defTabSz="755650">
             <a:lnSpc>
               <a:spcPct val="100000"/>
             </a:lnSpc>
@@ -19660,7 +19657,6 @@
             <a:spcAft>
               <a:spcPct val="35000"/>
             </a:spcAft>
-            <a:buNone/>
           </a:pPr>
           <a:endParaRPr lang="en-US" sz="1700" kern="1200" dirty="0"/>
         </a:p>
@@ -19857,7 +19853,7 @@
   </dgm:layoutNode>
   <dgm:extLst>
     <a:ext uri="{68A01E43-0DF5-4B5B-8FA6-DAF915123BFB}">
-      <dgm1612:lstStyle xmlns:dgm1612="http://schemas.microsoft.com/office/drawing/2016/12/diagram">
+      <dgm1612:lstStyle xmlns="" xmlns:dgm1612="http://schemas.microsoft.com/office/drawing/2016/12/diagram">
         <a:lvl1pPr>
           <a:lnSpc>
             <a:spcPct val="100000"/>
@@ -21094,7 +21090,7 @@
           <a:p>
             <a:fld id="{88D38747-4367-4BD2-8D51-C97E202738E2}" type="datetime1">
               <a:rPr lang="en-US" smtClean="0"/>
-              <a:t>11/15/2020</a:t>
+              <a:t>11/17/2020</a:t>
             </a:fld>
             <a:endParaRPr lang="en-US" dirty="0"/>
           </a:p>
@@ -21178,7 +21174,7 @@
           <p:cNvPr id="16" name="Picture 15" descr="Slate-V2-HD-panoPhotoInset.png">
             <a:extLst>
               <a:ext uri="{FF2B5EF4-FFF2-40B4-BE49-F238E27FC236}">
-                <a16:creationId xmlns:a16="http://schemas.microsoft.com/office/drawing/2014/main" id="{CE39118B-B3AD-4BD4-BA22-DEFF4E76CE9A}"/>
+                <a16:creationId xmlns="" xmlns:a16="http://schemas.microsoft.com/office/drawing/2014/main" id="{CE39118B-B3AD-4BD4-BA22-DEFF4E76CE9A}"/>
               </a:ext>
             </a:extLst>
           </p:cNvPr>
@@ -21399,7 +21395,7 @@
           <a:p>
             <a:fld id="{11F1B079-7EF0-44EE-B798-BCC497C9F3B2}" type="datetime1">
               <a:rPr lang="en-US" smtClean="0"/>
-              <a:t>11/15/2020</a:t>
+              <a:t>11/17/2020</a:t>
             </a:fld>
             <a:endParaRPr lang="en-US" dirty="0"/>
           </a:p>
@@ -21593,7 +21589,7 @@
           <a:p>
             <a:fld id="{28FF70A8-1D13-4657-95F0-A9EA54967B8D}" type="datetime1">
               <a:rPr lang="en-US" smtClean="0"/>
-              <a:t>11/15/2020</a:t>
+              <a:t>11/17/2020</a:t>
             </a:fld>
             <a:endParaRPr lang="en-US" dirty="0"/>
           </a:p>
@@ -21856,7 +21852,7 @@
           <a:p>
             <a:fld id="{21EB90AC-71BD-4C7F-8ACA-7B3F18292E63}" type="datetime1">
               <a:rPr lang="en-US" smtClean="0"/>
-              <a:t>11/15/2020</a:t>
+              <a:t>11/17/2020</a:t>
             </a:fld>
             <a:endParaRPr lang="en-US" dirty="0"/>
           </a:p>
@@ -21909,7 +21905,7 @@
           <p:cNvPr id="11" name="TextBox 10">
             <a:extLst>
               <a:ext uri="{FF2B5EF4-FFF2-40B4-BE49-F238E27FC236}">
-                <a16:creationId xmlns:a16="http://schemas.microsoft.com/office/drawing/2014/main" id="{223F0D53-0705-41B7-8554-09D21E7807F9}"/>
+                <a16:creationId xmlns="" xmlns:a16="http://schemas.microsoft.com/office/drawing/2014/main" id="{223F0D53-0705-41B7-8554-09D21E7807F9}"/>
               </a:ext>
             </a:extLst>
           </p:cNvPr>
@@ -22031,7 +22027,7 @@
           <p:cNvPr id="13" name="TextBox 12">
             <a:extLst>
               <a:ext uri="{FF2B5EF4-FFF2-40B4-BE49-F238E27FC236}">
-                <a16:creationId xmlns:a16="http://schemas.microsoft.com/office/drawing/2014/main" id="{C7F647CD-0F1A-4BB3-89E0-A74F1E1B098D}"/>
+                <a16:creationId xmlns="" xmlns:a16="http://schemas.microsoft.com/office/drawing/2014/main" id="{C7F647CD-0F1A-4BB3-89E0-A74F1E1B098D}"/>
               </a:ext>
             </a:extLst>
           </p:cNvPr>
@@ -22292,7 +22288,7 @@
           <a:p>
             <a:fld id="{4E6EFC2C-8905-46F0-B443-CE905B76BA01}" type="datetime1">
               <a:rPr lang="en-US" smtClean="0"/>
-              <a:t>11/15/2020</a:t>
+              <a:t>11/17/2020</a:t>
             </a:fld>
             <a:endParaRPr lang="en-US" dirty="0"/>
           </a:p>
@@ -22829,7 +22825,7 @@
           <a:p>
             <a:fld id="{D9079DC3-C9B5-499E-9140-0DC28B7074E2}" type="datetime1">
               <a:rPr lang="en-US" smtClean="0"/>
-              <a:t>11/15/2020</a:t>
+              <a:t>11/17/2020</a:t>
             </a:fld>
             <a:endParaRPr lang="en-US" dirty="0"/>
           </a:p>
@@ -22912,7 +22908,7 @@
           <p:cNvPr id="2" name="Picture 1" descr="Slate-V2-HD-3colPhotoInset.png">
             <a:extLst>
               <a:ext uri="{FF2B5EF4-FFF2-40B4-BE49-F238E27FC236}">
-                <a16:creationId xmlns:a16="http://schemas.microsoft.com/office/drawing/2014/main" id="{7E87C569-D426-4615-ADA7-B370EA98340A}"/>
+                <a16:creationId xmlns="" xmlns:a16="http://schemas.microsoft.com/office/drawing/2014/main" id="{7E87C569-D426-4615-ADA7-B370EA98340A}"/>
               </a:ext>
             </a:extLst>
           </p:cNvPr>
@@ -22948,7 +22944,7 @@
           <p:cNvPr id="36" name="Picture 35" descr="Slate-V2-HD-3colPhotoInset.png">
             <a:extLst>
               <a:ext uri="{FF2B5EF4-FFF2-40B4-BE49-F238E27FC236}">
-                <a16:creationId xmlns:a16="http://schemas.microsoft.com/office/drawing/2014/main" id="{7B353ED4-7AD0-46C9-88ED-1A16B1433AF7}"/>
+                <a16:creationId xmlns="" xmlns:a16="http://schemas.microsoft.com/office/drawing/2014/main" id="{7B353ED4-7AD0-46C9-88ED-1A16B1433AF7}"/>
               </a:ext>
             </a:extLst>
           </p:cNvPr>
@@ -22984,7 +22980,7 @@
           <p:cNvPr id="37" name="Picture 36" descr="Slate-V2-HD-3colPhotoInset.png">
             <a:extLst>
               <a:ext uri="{FF2B5EF4-FFF2-40B4-BE49-F238E27FC236}">
-                <a16:creationId xmlns:a16="http://schemas.microsoft.com/office/drawing/2014/main" id="{F561D985-AD57-459A-B3A6-EBF296039766}"/>
+                <a16:creationId xmlns="" xmlns:a16="http://schemas.microsoft.com/office/drawing/2014/main" id="{F561D985-AD57-459A-B3A6-EBF296039766}"/>
               </a:ext>
             </a:extLst>
           </p:cNvPr>
@@ -23711,7 +23707,7 @@
           <a:p>
             <a:fld id="{30BB33EA-E472-4D22-9C03-A9C14AA21CED}" type="datetime1">
               <a:rPr lang="en-US" smtClean="0"/>
-              <a:t>11/15/2020</a:t>
+              <a:t>11/17/2020</a:t>
             </a:fld>
             <a:endParaRPr lang="en-US" dirty="0"/>
           </a:p>
@@ -23881,7 +23877,7 @@
           <a:p>
             <a:fld id="{73C55A3C-5767-4844-A0A3-83778C2E5409}" type="datetime1">
               <a:rPr lang="en-US" smtClean="0"/>
-              <a:t>11/15/2020</a:t>
+              <a:t>11/17/2020</a:t>
             </a:fld>
             <a:endParaRPr lang="en-US" dirty="0"/>
           </a:p>
@@ -24125,7 +24121,7 @@
           <a:p>
             <a:fld id="{CAE507A8-A5CF-4D38-AB86-7EDDA87A85D4}" type="datetime1">
               <a:rPr lang="en-US" smtClean="0"/>
-              <a:t>11/15/2020</a:t>
+              <a:t>11/17/2020</a:t>
             </a:fld>
             <a:endParaRPr lang="en-US" dirty="0"/>
           </a:p>
@@ -24367,7 +24363,7 @@
           <a:p>
             <a:fld id="{BDFCD27C-8599-43EF-BA1D-14DDC1946E06}" type="datetime1">
               <a:rPr lang="en-US" smtClean="0"/>
-              <a:t>11/15/2020</a:t>
+              <a:t>11/17/2020</a:t>
             </a:fld>
             <a:endParaRPr lang="en-US" dirty="0"/>
           </a:p>
@@ -24450,7 +24446,7 @@
           <p:cNvPr id="20" name="Picture 19" descr="Slate-V2-HD-compPhotoInset.png">
             <a:extLst>
               <a:ext uri="{FF2B5EF4-FFF2-40B4-BE49-F238E27FC236}">
-                <a16:creationId xmlns:a16="http://schemas.microsoft.com/office/drawing/2014/main" id="{37B721FF-D609-4D98-9D19-CF75AA8A54FC}"/>
+                <a16:creationId xmlns="" xmlns:a16="http://schemas.microsoft.com/office/drawing/2014/main" id="{37B721FF-D609-4D98-9D19-CF75AA8A54FC}"/>
               </a:ext>
             </a:extLst>
           </p:cNvPr>
@@ -24486,7 +24482,7 @@
           <p:cNvPr id="21" name="Picture 20" descr="Slate-V2-HD-compPhotoInset.png">
             <a:extLst>
               <a:ext uri="{FF2B5EF4-FFF2-40B4-BE49-F238E27FC236}">
-                <a16:creationId xmlns:a16="http://schemas.microsoft.com/office/drawing/2014/main" id="{073936BD-C868-433F-8E84-D6DD8E640E3E}"/>
+                <a16:creationId xmlns="" xmlns:a16="http://schemas.microsoft.com/office/drawing/2014/main" id="{073936BD-C868-433F-8E84-D6DD8E640E3E}"/>
               </a:ext>
             </a:extLst>
           </p:cNvPr>
@@ -24850,7 +24846,7 @@
           <a:p>
             <a:fld id="{49343D99-809A-49C0-96E5-4250D0B498EE}" type="datetime1">
               <a:rPr lang="en-US" smtClean="0"/>
-              <a:t>11/15/2020</a:t>
+              <a:t>11/17/2020</a:t>
             </a:fld>
             <a:endParaRPr lang="en-US" dirty="0"/>
           </a:p>
@@ -24968,7 +24964,7 @@
           <a:p>
             <a:fld id="{A143DE9B-B678-4EFB-BB7D-A4370204A0B0}" type="datetime1">
               <a:rPr lang="en-US" smtClean="0"/>
-              <a:t>11/15/2020</a:t>
+              <a:t>11/17/2020</a:t>
             </a:fld>
             <a:endParaRPr lang="en-US" dirty="0"/>
           </a:p>
@@ -25063,7 +25059,7 @@
           <a:p>
             <a:fld id="{E68812DA-F765-4142-A6A3-A8ED7235E082}" type="datetime1">
               <a:rPr lang="en-US" smtClean="0"/>
-              <a:t>11/15/2020</a:t>
+              <a:t>11/17/2020</a:t>
             </a:fld>
             <a:endParaRPr lang="en-US" dirty="0"/>
           </a:p>
@@ -25318,7 +25314,7 @@
           <a:p>
             <a:fld id="{3E0277FD-7DE6-41D4-930D-AC99F5AFE54E}" type="datetime1">
               <a:rPr lang="en-US" smtClean="0"/>
-              <a:t>11/15/2020</a:t>
+              <a:t>11/17/2020</a:t>
             </a:fld>
             <a:endParaRPr lang="en-US" dirty="0"/>
           </a:p>
@@ -25402,7 +25398,7 @@
           <p:cNvPr id="22" name="Picture 21" descr="Slate-V2-HD-vertPhotoInset.png">
             <a:extLst>
               <a:ext uri="{FF2B5EF4-FFF2-40B4-BE49-F238E27FC236}">
-                <a16:creationId xmlns:a16="http://schemas.microsoft.com/office/drawing/2014/main" id="{4D06E496-ACBA-4063-B4A1-C5C484EE5A77}"/>
+                <a16:creationId xmlns="" xmlns:a16="http://schemas.microsoft.com/office/drawing/2014/main" id="{4D06E496-ACBA-4063-B4A1-C5C484EE5A77}"/>
               </a:ext>
             </a:extLst>
           </p:cNvPr>
@@ -25625,7 +25621,7 @@
           <a:p>
             <a:fld id="{9EA15526-7079-4B7B-987C-1B5FAE11A0FF}" type="datetime1">
               <a:rPr lang="en-US" smtClean="0"/>
-              <a:t>11/15/2020</a:t>
+              <a:t>11/17/2020</a:t>
             </a:fld>
             <a:endParaRPr lang="en-US" dirty="0"/>
           </a:p>
@@ -25860,7 +25856,7 @@
           <a:p>
             <a:fld id="{073ED0CC-082F-4160-86E5-0D6041F12778}" type="datetime1">
               <a:rPr lang="en-US" smtClean="0"/>
-              <a:t>11/15/2020</a:t>
+              <a:t>11/17/2020</a:t>
             </a:fld>
             <a:endParaRPr lang="en-US" dirty="0"/>
           </a:p>
@@ -26563,7 +26559,7 @@
           <p:cNvPr id="6" name="Picture 5" descr="A picture containing large, sitting, white, numbers">
             <a:extLst>
               <a:ext uri="{FF2B5EF4-FFF2-40B4-BE49-F238E27FC236}">
-                <a16:creationId xmlns:a16="http://schemas.microsoft.com/office/drawing/2014/main" id="{9A5D9ED1-DFCC-4799-89E2-D118451B98DF}"/>
+                <a16:creationId xmlns="" xmlns:a16="http://schemas.microsoft.com/office/drawing/2014/main" id="{9A5D9ED1-DFCC-4799-89E2-D118451B98DF}"/>
               </a:ext>
             </a:extLst>
           </p:cNvPr>
@@ -26598,10 +26594,10 @@
           <p:cNvPr id="96" name="Freeform 5">
             <a:extLst>
               <a:ext uri="{FF2B5EF4-FFF2-40B4-BE49-F238E27FC236}">
-                <a16:creationId xmlns:a16="http://schemas.microsoft.com/office/drawing/2014/main" id="{FE469E50-3893-4ED6-92BA-2985C32B0CA6}"/>
+                <a16:creationId xmlns="" xmlns:a16="http://schemas.microsoft.com/office/drawing/2014/main" id="{FE469E50-3893-4ED6-92BA-2985C32B0CA6}"/>
               </a:ext>
               <a:ext uri="{C183D7F6-B498-43B3-948B-1728B52AA6E4}">
-                <adec:decorative xmlns:adec="http://schemas.microsoft.com/office/drawing/2017/decorative" val="1"/>
+                <adec:decorative xmlns="" xmlns:adec="http://schemas.microsoft.com/office/drawing/2017/decorative" val="1"/>
               </a:ext>
             </a:extLst>
           </p:cNvPr>
@@ -26611,7 +26607,7 @@
           <p:nvPr>
             <p:extLst>
               <p:ext uri="{386F3935-93C4-4BCD-93E2-E3B085C9AB24}">
-                <p16:designElem xmlns:p16="http://schemas.microsoft.com/office/powerpoint/2015/main" val="1"/>
+                <p16:designElem xmlns="" xmlns:p16="http://schemas.microsoft.com/office/powerpoint/2015/main" val="1"/>
               </p:ext>
             </p:extLst>
           </p:nvPr>
@@ -26833,7 +26829,7 @@
           <p:cNvPr id="2" name="Title 1">
             <a:extLst>
               <a:ext uri="{FF2B5EF4-FFF2-40B4-BE49-F238E27FC236}">
-                <a16:creationId xmlns:a16="http://schemas.microsoft.com/office/drawing/2014/main" id="{0D1F047C-C727-42A7-85C5-68C5AA1B1A93}"/>
+                <a16:creationId xmlns="" xmlns:a16="http://schemas.microsoft.com/office/drawing/2014/main" id="{0D1F047C-C727-42A7-85C5-68C5AA1B1A93}"/>
               </a:ext>
             </a:extLst>
           </p:cNvPr>
@@ -26869,7 +26865,7 @@
           <p:cNvPr id="3" name="Subtitle 2">
             <a:extLst>
               <a:ext uri="{FF2B5EF4-FFF2-40B4-BE49-F238E27FC236}">
-                <a16:creationId xmlns:a16="http://schemas.microsoft.com/office/drawing/2014/main" id="{DB93FB3F-A8D4-46D3-A1C6-C79C64563729}"/>
+                <a16:creationId xmlns="" xmlns:a16="http://schemas.microsoft.com/office/drawing/2014/main" id="{DB93FB3F-A8D4-46D3-A1C6-C79C64563729}"/>
               </a:ext>
             </a:extLst>
           </p:cNvPr>
@@ -26947,7 +26943,7 @@
           <p:cNvPr id="2" name="Title 1">
             <a:extLst>
               <a:ext uri="{FF2B5EF4-FFF2-40B4-BE49-F238E27FC236}">
-                <a16:creationId xmlns:a16="http://schemas.microsoft.com/office/drawing/2014/main" id="{4E71842A-B45E-4C82-83E7-68552CB0869A}"/>
+                <a16:creationId xmlns="" xmlns:a16="http://schemas.microsoft.com/office/drawing/2014/main" id="{4E71842A-B45E-4C82-83E7-68552CB0869A}"/>
               </a:ext>
             </a:extLst>
           </p:cNvPr>
@@ -26976,7 +26972,7 @@
           <p:cNvPr id="3" name="Table 4">
             <a:extLst>
               <a:ext uri="{FF2B5EF4-FFF2-40B4-BE49-F238E27FC236}">
-                <a16:creationId xmlns:a16="http://schemas.microsoft.com/office/drawing/2014/main" id="{341AB351-11F2-4485-87B7-7B3D04B5D14B}"/>
+                <a16:creationId xmlns="" xmlns:a16="http://schemas.microsoft.com/office/drawing/2014/main" id="{341AB351-11F2-4485-87B7-7B3D04B5D14B}"/>
               </a:ext>
             </a:extLst>
           </p:cNvPr>
@@ -26986,7 +26982,7 @@
           <p:nvPr>
             <p:extLst>
               <p:ext uri="{D42A27DB-BD31-4B8C-83A1-F6EECF244321}">
-                <p14:modId xmlns:p14="http://schemas.microsoft.com/office/powerpoint/2010/main" val="194148326"/>
+                <p14:modId xmlns:p14="http://schemas.microsoft.com/office/powerpoint/2010/main" val="2863412271"/>
               </p:ext>
             </p:extLst>
           </p:nvPr>
@@ -27005,42 +27001,42 @@
                 <a:gridCol w="1638214">
                   <a:extLst>
                     <a:ext uri="{9D8B030D-6E8A-4147-A177-3AD203B41FA5}">
-                      <a16:colId xmlns:a16="http://schemas.microsoft.com/office/drawing/2014/main" val="1766440619"/>
+                      <a16:colId xmlns="" xmlns:a16="http://schemas.microsoft.com/office/drawing/2014/main" val="1766440619"/>
                     </a:ext>
                   </a:extLst>
                 </a:gridCol>
                 <a:gridCol w="1638214">
                   <a:extLst>
                     <a:ext uri="{9D8B030D-6E8A-4147-A177-3AD203B41FA5}">
-                      <a16:colId xmlns:a16="http://schemas.microsoft.com/office/drawing/2014/main" val="3180599431"/>
+                      <a16:colId xmlns="" xmlns:a16="http://schemas.microsoft.com/office/drawing/2014/main" val="3180599431"/>
                     </a:ext>
                   </a:extLst>
                 </a:gridCol>
                 <a:gridCol w="1638214">
                   <a:extLst>
                     <a:ext uri="{9D8B030D-6E8A-4147-A177-3AD203B41FA5}">
-                      <a16:colId xmlns:a16="http://schemas.microsoft.com/office/drawing/2014/main" val="1576456185"/>
+                      <a16:colId xmlns="" xmlns:a16="http://schemas.microsoft.com/office/drawing/2014/main" val="1576456185"/>
                     </a:ext>
                   </a:extLst>
                 </a:gridCol>
                 <a:gridCol w="1638214">
                   <a:extLst>
                     <a:ext uri="{9D8B030D-6E8A-4147-A177-3AD203B41FA5}">
-                      <a16:colId xmlns:a16="http://schemas.microsoft.com/office/drawing/2014/main" val="1272147780"/>
+                      <a16:colId xmlns="" xmlns:a16="http://schemas.microsoft.com/office/drawing/2014/main" val="1272147780"/>
                     </a:ext>
                   </a:extLst>
                 </a:gridCol>
                 <a:gridCol w="1638214">
                   <a:extLst>
                     <a:ext uri="{9D8B030D-6E8A-4147-A177-3AD203B41FA5}">
-                      <a16:colId xmlns:a16="http://schemas.microsoft.com/office/drawing/2014/main" val="93924427"/>
+                      <a16:colId xmlns="" xmlns:a16="http://schemas.microsoft.com/office/drawing/2014/main" val="93924427"/>
                     </a:ext>
                   </a:extLst>
                 </a:gridCol>
                 <a:gridCol w="1638214">
                   <a:extLst>
                     <a:ext uri="{9D8B030D-6E8A-4147-A177-3AD203B41FA5}">
-                      <a16:colId xmlns:a16="http://schemas.microsoft.com/office/drawing/2014/main" val="2962761315"/>
+                      <a16:colId xmlns="" xmlns:a16="http://schemas.microsoft.com/office/drawing/2014/main" val="2962761315"/>
                     </a:ext>
                   </a:extLst>
                 </a:gridCol>
@@ -27186,7 +27182,7 @@
                 </a:tc>
                 <a:extLst>
                   <a:ext uri="{0D108BD9-81ED-4DB2-BD59-A6C34878D82A}">
-                    <a16:rowId xmlns:a16="http://schemas.microsoft.com/office/drawing/2014/main" val="2483695418"/>
+                    <a16:rowId xmlns="" xmlns:a16="http://schemas.microsoft.com/office/drawing/2014/main" val="2483695418"/>
                   </a:ext>
                 </a:extLst>
               </a:tr>
@@ -27244,12 +27240,12 @@
                     <a:p>
                       <a:pPr algn="ctr" fontAlgn="ctr"/>
                       <a:r>
-                        <a:rPr lang="en-US" sz="1200" u="none" strike="noStrike">
+                        <a:rPr lang="en-US" sz="1200" u="none" strike="noStrike" dirty="0">
                           <a:effectLst/>
                         </a:rPr>
                         <a:t>68.894997</a:t>
                       </a:r>
-                      <a:endParaRPr lang="en-US" sz="1200" b="0" i="0" u="none" strike="noStrike">
+                      <a:endParaRPr lang="en-US" sz="1200" b="0" i="0" u="none" strike="noStrike" dirty="0">
                         <a:solidFill>
                           <a:srgbClr val="595959"/>
                         </a:solidFill>
@@ -27267,12 +27263,12 @@
                     <a:p>
                       <a:pPr algn="ctr" fontAlgn="ctr"/>
                       <a:r>
-                        <a:rPr lang="en-US" sz="1200" u="none" strike="noStrike">
+                        <a:rPr lang="en-US" sz="1200" u="none" strike="noStrike" dirty="0">
                           <a:effectLst/>
                         </a:rPr>
                         <a:t>65.889999</a:t>
                       </a:r>
-                      <a:endParaRPr lang="en-US" sz="1200" b="0" i="0" u="none" strike="noStrike">
+                      <a:endParaRPr lang="en-US" sz="1200" b="0" i="0" u="none" strike="noStrike" dirty="0">
                         <a:solidFill>
                           <a:srgbClr val="595959"/>
                         </a:solidFill>
@@ -27290,12 +27286,12 @@
                     <a:p>
                       <a:pPr algn="ctr" fontAlgn="ctr"/>
                       <a:r>
-                        <a:rPr lang="en-US" sz="1200" u="none" strike="noStrike">
+                        <a:rPr lang="en-US" sz="1200" u="none" strike="noStrike" dirty="0">
                           <a:effectLst/>
                         </a:rPr>
                         <a:t>74.900002</a:t>
                       </a:r>
-                      <a:endParaRPr lang="en-US" sz="1200" b="0" i="0" u="none" strike="noStrike">
+                      <a:endParaRPr lang="en-US" sz="1200" b="0" i="0" u="none" strike="noStrike" dirty="0">
                         <a:solidFill>
                           <a:srgbClr val="595959"/>
                         </a:solidFill>
@@ -27313,12 +27309,12 @@
                     <a:p>
                       <a:pPr algn="ctr" fontAlgn="ctr"/>
                       <a:r>
-                        <a:rPr lang="en-US" sz="1200" u="none" strike="noStrike">
+                        <a:rPr lang="en-US" sz="1200" u="none" strike="noStrike" dirty="0">
                           <a:effectLst/>
                         </a:rPr>
                         <a:t>77.754997</a:t>
                       </a:r>
-                      <a:endParaRPr lang="en-US" sz="1200" b="0" i="0" u="none" strike="noStrike">
+                      <a:endParaRPr lang="en-US" sz="1200" b="0" i="0" u="none" strike="noStrike" dirty="0">
                         <a:solidFill>
                           <a:srgbClr val="595959"/>
                         </a:solidFill>
@@ -27331,7 +27327,7 @@
                 </a:tc>
                 <a:extLst>
                   <a:ext uri="{0D108BD9-81ED-4DB2-BD59-A6C34878D82A}">
-                    <a16:rowId xmlns:a16="http://schemas.microsoft.com/office/drawing/2014/main" val="3058228287"/>
+                    <a16:rowId xmlns="" xmlns:a16="http://schemas.microsoft.com/office/drawing/2014/main" val="3058228287"/>
                   </a:ext>
                 </a:extLst>
               </a:tr>
@@ -27389,12 +27385,12 @@
                     <a:p>
                       <a:pPr algn="ctr" fontAlgn="ctr"/>
                       <a:r>
-                        <a:rPr lang="en-US" sz="1200" u="none" strike="noStrike">
+                        <a:rPr lang="en-US" sz="1200" u="none" strike="noStrike" dirty="0">
                           <a:effectLst/>
                         </a:rPr>
                         <a:t>64.739998</a:t>
                       </a:r>
-                      <a:endParaRPr lang="en-US" sz="1200" b="0" i="0" u="none" strike="noStrike">
+                      <a:endParaRPr lang="en-US" sz="1200" b="0" i="0" u="none" strike="noStrike" dirty="0">
                         <a:solidFill>
                           <a:srgbClr val="595959"/>
                         </a:solidFill>
@@ -27412,12 +27408,12 @@
                     <a:p>
                       <a:pPr algn="ctr" fontAlgn="ctr"/>
                       <a:r>
-                        <a:rPr lang="en-US" sz="1200" u="none" strike="noStrike">
+                        <a:rPr lang="en-US" sz="1200" u="none" strike="noStrike" dirty="0">
                           <a:effectLst/>
                         </a:rPr>
                         <a:t>63.209999</a:t>
                       </a:r>
-                      <a:endParaRPr lang="en-US" sz="1200" b="0" i="0" u="none" strike="noStrike">
+                      <a:endParaRPr lang="en-US" sz="1200" b="0" i="0" u="none" strike="noStrike" dirty="0">
                         <a:solidFill>
                           <a:srgbClr val="595959"/>
                         </a:solidFill>
@@ -27476,7 +27472,7 @@
                 </a:tc>
                 <a:extLst>
                   <a:ext uri="{0D108BD9-81ED-4DB2-BD59-A6C34878D82A}">
-                    <a16:rowId xmlns:a16="http://schemas.microsoft.com/office/drawing/2014/main" val="3301760956"/>
+                    <a16:rowId xmlns="" xmlns:a16="http://schemas.microsoft.com/office/drawing/2014/main" val="3301760956"/>
                   </a:ext>
                 </a:extLst>
               </a:tr>
@@ -27488,12 +27484,24 @@
                     <a:p>
                       <a:pPr algn="ctr" fontAlgn="ctr"/>
                       <a:r>
-                        <a:rPr lang="en-US" sz="1600" u="none" strike="noStrike">
+                        <a:rPr lang="en-US" sz="1600" u="none" strike="noStrike" dirty="0" smtClean="0">
                           <a:effectLst/>
                         </a:rPr>
-                        <a:t>MEAN(P/L)(PER STOCK)</a:t>
+                        <a:t>MEAN(Variation)(</a:t>
                       </a:r>
-                      <a:endParaRPr lang="en-US" sz="1600" b="1" i="0" u="none" strike="noStrike">
+                      <a:r>
+                        <a:rPr lang="en-US" sz="1600" u="none" strike="noStrike" dirty="0">
+                          <a:effectLst/>
+                        </a:rPr>
+                        <a:t>PER </a:t>
+                      </a:r>
+                      <a:r>
+                        <a:rPr lang="en-US" sz="1600" u="none" strike="noStrike" dirty="0" smtClean="0">
+                          <a:effectLst/>
+                        </a:rPr>
+                        <a:t>DAY)</a:t>
+                      </a:r>
+                      <a:endParaRPr lang="en-US" sz="1600" b="1" i="0" u="none" strike="noStrike" dirty="0">
                         <a:solidFill>
                           <a:srgbClr val="5B9BD5"/>
                         </a:solidFill>
@@ -27557,12 +27565,12 @@
                     <a:p>
                       <a:pPr algn="ctr" fontAlgn="ctr"/>
                       <a:r>
-                        <a:rPr lang="en-US" sz="1200" u="none" strike="noStrike">
+                        <a:rPr lang="en-US" sz="1200" u="none" strike="noStrike" dirty="0">
                           <a:effectLst/>
                         </a:rPr>
                         <a:t>0.008840058</a:t>
                       </a:r>
-                      <a:endParaRPr lang="en-US" sz="1200" b="0" i="0" u="none" strike="noStrike">
+                      <a:endParaRPr lang="en-US" sz="1200" b="0" i="0" u="none" strike="noStrike" dirty="0">
                         <a:solidFill>
                           <a:srgbClr val="595959"/>
                         </a:solidFill>
@@ -27580,12 +27588,12 @@
                     <a:p>
                       <a:pPr algn="ctr" fontAlgn="ctr"/>
                       <a:r>
-                        <a:rPr lang="en-US" sz="1200" u="none" strike="noStrike">
+                        <a:rPr lang="en-US" sz="1200" u="none" strike="noStrike" dirty="0">
                           <a:effectLst/>
                         </a:rPr>
                         <a:t>0.099147453</a:t>
                       </a:r>
-                      <a:endParaRPr lang="en-US" sz="1200" b="0" i="0" u="none" strike="noStrike">
+                      <a:endParaRPr lang="en-US" sz="1200" b="0" i="0" u="none" strike="noStrike" dirty="0">
                         <a:solidFill>
                           <a:srgbClr val="595959"/>
                         </a:solidFill>
@@ -27621,7 +27629,7 @@
                 </a:tc>
                 <a:extLst>
                   <a:ext uri="{0D108BD9-81ED-4DB2-BD59-A6C34878D82A}">
-                    <a16:rowId xmlns:a16="http://schemas.microsoft.com/office/drawing/2014/main" val="2598196105"/>
+                    <a16:rowId xmlns="" xmlns:a16="http://schemas.microsoft.com/office/drawing/2014/main" val="2598196105"/>
                   </a:ext>
                 </a:extLst>
               </a:tr>
@@ -27636,7 +27644,13 @@
                         <a:rPr lang="en-US" sz="1600" u="none" strike="noStrike" dirty="0">
                           <a:effectLst/>
                         </a:rPr>
-                        <a:t>STANDARD DEVIATION(p/l)</a:t>
+                        <a:t>STANDARD </a:t>
+                      </a:r>
+                      <a:r>
+                        <a:rPr lang="en-US" sz="1600" u="none" strike="noStrike" dirty="0" smtClean="0">
+                          <a:effectLst/>
+                        </a:rPr>
+                        <a:t>DEVIATION(Per Day)</a:t>
                       </a:r>
                       <a:endParaRPr lang="en-US" sz="1600" b="1" i="0" u="none" strike="noStrike" dirty="0">
                         <a:solidFill>
@@ -27766,7 +27780,7 @@
                 </a:tc>
                 <a:extLst>
                   <a:ext uri="{0D108BD9-81ED-4DB2-BD59-A6C34878D82A}">
-                    <a16:rowId xmlns:a16="http://schemas.microsoft.com/office/drawing/2014/main" val="2018324647"/>
+                    <a16:rowId xmlns="" xmlns:a16="http://schemas.microsoft.com/office/drawing/2014/main" val="2018324647"/>
                   </a:ext>
                 </a:extLst>
               </a:tr>
@@ -27809,7 +27823,7 @@
           <p:cNvPr id="2" name="Title 1">
             <a:extLst>
               <a:ext uri="{FF2B5EF4-FFF2-40B4-BE49-F238E27FC236}">
-                <a16:creationId xmlns:a16="http://schemas.microsoft.com/office/drawing/2014/main" id="{4E71842A-B45E-4C82-83E7-68552CB0869A}"/>
+                <a16:creationId xmlns="" xmlns:a16="http://schemas.microsoft.com/office/drawing/2014/main" id="{4E71842A-B45E-4C82-83E7-68552CB0869A}"/>
               </a:ext>
             </a:extLst>
           </p:cNvPr>
@@ -27838,7 +27852,7 @@
           <p:cNvPr id="4" name="Chart 3">
             <a:extLst>
               <a:ext uri="{FF2B5EF4-FFF2-40B4-BE49-F238E27FC236}">
-                <a16:creationId xmlns:a16="http://schemas.microsoft.com/office/drawing/2014/main" id="{00000000-0008-0000-0100-000006000000}"/>
+                <a16:creationId xmlns="" xmlns:a16="http://schemas.microsoft.com/office/drawing/2014/main" id="{00000000-0008-0000-0100-000006000000}"/>
               </a:ext>
             </a:extLst>
           </p:cNvPr>
@@ -27898,7 +27912,7 @@
           <p:cNvPr id="2" name="Title 1">
             <a:extLst>
               <a:ext uri="{FF2B5EF4-FFF2-40B4-BE49-F238E27FC236}">
-                <a16:creationId xmlns:a16="http://schemas.microsoft.com/office/drawing/2014/main" id="{4E71842A-B45E-4C82-83E7-68552CB0869A}"/>
+                <a16:creationId xmlns="" xmlns:a16="http://schemas.microsoft.com/office/drawing/2014/main" id="{4E71842A-B45E-4C82-83E7-68552CB0869A}"/>
               </a:ext>
             </a:extLst>
           </p:cNvPr>
@@ -27927,7 +27941,7 @@
           <p:cNvPr id="3" name="Table 4">
             <a:extLst>
               <a:ext uri="{FF2B5EF4-FFF2-40B4-BE49-F238E27FC236}">
-                <a16:creationId xmlns:a16="http://schemas.microsoft.com/office/drawing/2014/main" id="{341AB351-11F2-4485-87B7-7B3D04B5D14B}"/>
+                <a16:creationId xmlns="" xmlns:a16="http://schemas.microsoft.com/office/drawing/2014/main" id="{341AB351-11F2-4485-87B7-7B3D04B5D14B}"/>
               </a:ext>
             </a:extLst>
           </p:cNvPr>
@@ -27956,42 +27970,42 @@
                 <a:gridCol w="1638214">
                   <a:extLst>
                     <a:ext uri="{9D8B030D-6E8A-4147-A177-3AD203B41FA5}">
-                      <a16:colId xmlns:a16="http://schemas.microsoft.com/office/drawing/2014/main" val="1766440619"/>
+                      <a16:colId xmlns="" xmlns:a16="http://schemas.microsoft.com/office/drawing/2014/main" val="1766440619"/>
                     </a:ext>
                   </a:extLst>
                 </a:gridCol>
                 <a:gridCol w="1638214">
                   <a:extLst>
                     <a:ext uri="{9D8B030D-6E8A-4147-A177-3AD203B41FA5}">
-                      <a16:colId xmlns:a16="http://schemas.microsoft.com/office/drawing/2014/main" val="3180599431"/>
+                      <a16:colId xmlns="" xmlns:a16="http://schemas.microsoft.com/office/drawing/2014/main" val="3180599431"/>
                     </a:ext>
                   </a:extLst>
                 </a:gridCol>
                 <a:gridCol w="1638214">
                   <a:extLst>
                     <a:ext uri="{9D8B030D-6E8A-4147-A177-3AD203B41FA5}">
-                      <a16:colId xmlns:a16="http://schemas.microsoft.com/office/drawing/2014/main" val="1576456185"/>
+                      <a16:colId xmlns="" xmlns:a16="http://schemas.microsoft.com/office/drawing/2014/main" val="1576456185"/>
                     </a:ext>
                   </a:extLst>
                 </a:gridCol>
                 <a:gridCol w="1638214">
                   <a:extLst>
                     <a:ext uri="{9D8B030D-6E8A-4147-A177-3AD203B41FA5}">
-                      <a16:colId xmlns:a16="http://schemas.microsoft.com/office/drawing/2014/main" val="1272147780"/>
+                      <a16:colId xmlns="" xmlns:a16="http://schemas.microsoft.com/office/drawing/2014/main" val="1272147780"/>
                     </a:ext>
                   </a:extLst>
                 </a:gridCol>
                 <a:gridCol w="1638214">
                   <a:extLst>
                     <a:ext uri="{9D8B030D-6E8A-4147-A177-3AD203B41FA5}">
-                      <a16:colId xmlns:a16="http://schemas.microsoft.com/office/drawing/2014/main" val="93924427"/>
+                      <a16:colId xmlns="" xmlns:a16="http://schemas.microsoft.com/office/drawing/2014/main" val="93924427"/>
                     </a:ext>
                   </a:extLst>
                 </a:gridCol>
                 <a:gridCol w="1638214">
                   <a:extLst>
                     <a:ext uri="{9D8B030D-6E8A-4147-A177-3AD203B41FA5}">
-                      <a16:colId xmlns:a16="http://schemas.microsoft.com/office/drawing/2014/main" val="2962761315"/>
+                      <a16:colId xmlns="" xmlns:a16="http://schemas.microsoft.com/office/drawing/2014/main" val="2962761315"/>
                     </a:ext>
                   </a:extLst>
                 </a:gridCol>
@@ -28131,7 +28145,7 @@
                 </a:tc>
                 <a:extLst>
                   <a:ext uri="{0D108BD9-81ED-4DB2-BD59-A6C34878D82A}">
-                    <a16:rowId xmlns:a16="http://schemas.microsoft.com/office/drawing/2014/main" val="2483695418"/>
+                    <a16:rowId xmlns="" xmlns:a16="http://schemas.microsoft.com/office/drawing/2014/main" val="2483695418"/>
                   </a:ext>
                 </a:extLst>
               </a:tr>
@@ -28260,7 +28274,7 @@
                 </a:tc>
                 <a:extLst>
                   <a:ext uri="{0D108BD9-81ED-4DB2-BD59-A6C34878D82A}">
-                    <a16:rowId xmlns:a16="http://schemas.microsoft.com/office/drawing/2014/main" val="3058228287"/>
+                    <a16:rowId xmlns="" xmlns:a16="http://schemas.microsoft.com/office/drawing/2014/main" val="3058228287"/>
                   </a:ext>
                 </a:extLst>
               </a:tr>
@@ -28389,7 +28403,7 @@
                 </a:tc>
                 <a:extLst>
                   <a:ext uri="{0D108BD9-81ED-4DB2-BD59-A6C34878D82A}">
-                    <a16:rowId xmlns:a16="http://schemas.microsoft.com/office/drawing/2014/main" val="3301760956"/>
+                    <a16:rowId xmlns="" xmlns:a16="http://schemas.microsoft.com/office/drawing/2014/main" val="3301760956"/>
                   </a:ext>
                 </a:extLst>
               </a:tr>
@@ -28518,7 +28532,7 @@
                 </a:tc>
                 <a:extLst>
                   <a:ext uri="{0D108BD9-81ED-4DB2-BD59-A6C34878D82A}">
-                    <a16:rowId xmlns:a16="http://schemas.microsoft.com/office/drawing/2014/main" val="2598196105"/>
+                    <a16:rowId xmlns="" xmlns:a16="http://schemas.microsoft.com/office/drawing/2014/main" val="2598196105"/>
                   </a:ext>
                 </a:extLst>
               </a:tr>
@@ -28647,7 +28661,7 @@
                 </a:tc>
                 <a:extLst>
                   <a:ext uri="{0D108BD9-81ED-4DB2-BD59-A6C34878D82A}">
-                    <a16:rowId xmlns:a16="http://schemas.microsoft.com/office/drawing/2014/main" val="2018324647"/>
+                    <a16:rowId xmlns="" xmlns:a16="http://schemas.microsoft.com/office/drawing/2014/main" val="2018324647"/>
                   </a:ext>
                 </a:extLst>
               </a:tr>
@@ -28690,7 +28704,7 @@
           <p:cNvPr id="2" name="Title 1">
             <a:extLst>
               <a:ext uri="{FF2B5EF4-FFF2-40B4-BE49-F238E27FC236}">
-                <a16:creationId xmlns:a16="http://schemas.microsoft.com/office/drawing/2014/main" id="{4E71842A-B45E-4C82-83E7-68552CB0869A}"/>
+                <a16:creationId xmlns="" xmlns:a16="http://schemas.microsoft.com/office/drawing/2014/main" id="{4E71842A-B45E-4C82-83E7-68552CB0869A}"/>
               </a:ext>
             </a:extLst>
           </p:cNvPr>
@@ -28719,7 +28733,7 @@
           <p:cNvPr id="4" name="Chart 3">
             <a:extLst>
               <a:ext uri="{FF2B5EF4-FFF2-40B4-BE49-F238E27FC236}">
-                <a16:creationId xmlns:a16="http://schemas.microsoft.com/office/drawing/2014/main" id="{00000000-0008-0000-0100-000006000000}"/>
+                <a16:creationId xmlns="" xmlns:a16="http://schemas.microsoft.com/office/drawing/2014/main" id="{00000000-0008-0000-0100-000006000000}"/>
               </a:ext>
             </a:extLst>
           </p:cNvPr>
@@ -28779,7 +28793,7 @@
           <p:cNvPr id="2" name="Title 1">
             <a:extLst>
               <a:ext uri="{FF2B5EF4-FFF2-40B4-BE49-F238E27FC236}">
-                <a16:creationId xmlns:a16="http://schemas.microsoft.com/office/drawing/2014/main" id="{8989D711-176F-4F71-908B-5D6891599E5C}"/>
+                <a16:creationId xmlns="" xmlns:a16="http://schemas.microsoft.com/office/drawing/2014/main" id="{8989D711-176F-4F71-908B-5D6891599E5C}"/>
               </a:ext>
             </a:extLst>
           </p:cNvPr>
@@ -28837,14 +28851,14 @@
                 <a:gridCol w="4700733">
                   <a:extLst>
                     <a:ext uri="{9D8B030D-6E8A-4147-A177-3AD203B41FA5}">
-                      <a16:colId xmlns:a16="http://schemas.microsoft.com/office/drawing/2014/main" val="20000"/>
+                      <a16:colId xmlns="" xmlns:a16="http://schemas.microsoft.com/office/drawing/2014/main" val="20000"/>
                     </a:ext>
                   </a:extLst>
                 </a:gridCol>
                 <a:gridCol w="2549153">
                   <a:extLst>
                     <a:ext uri="{9D8B030D-6E8A-4147-A177-3AD203B41FA5}">
-                      <a16:colId xmlns:a16="http://schemas.microsoft.com/office/drawing/2014/main" val="20001"/>
+                      <a16:colId xmlns="" xmlns:a16="http://schemas.microsoft.com/office/drawing/2014/main" val="20001"/>
                     </a:ext>
                   </a:extLst>
                 </a:gridCol>
@@ -28885,7 +28899,7 @@
                 </a:tc>
                 <a:extLst>
                   <a:ext uri="{0D108BD9-81ED-4DB2-BD59-A6C34878D82A}">
-                    <a16:rowId xmlns:a16="http://schemas.microsoft.com/office/drawing/2014/main" val="10000"/>
+                    <a16:rowId xmlns="" xmlns:a16="http://schemas.microsoft.com/office/drawing/2014/main" val="10000"/>
                   </a:ext>
                 </a:extLst>
               </a:tr>
@@ -28920,12 +28934,12 @@
                     <a:p>
                       <a:pPr algn="ctr" fontAlgn="ctr"/>
                       <a:r>
-                        <a:rPr lang="en-US" sz="1200" u="none" strike="noStrike">
+                        <a:rPr lang="en-US" sz="1200" u="none" strike="noStrike" dirty="0">
                           <a:effectLst/>
                         </a:rPr>
                         <a:t>-0.071649797</a:t>
                       </a:r>
-                      <a:endParaRPr lang="en-US" sz="1200" b="0" i="0" u="none" strike="noStrike">
+                      <a:endParaRPr lang="en-US" sz="1200" b="0" i="0" u="none" strike="noStrike" dirty="0">
                         <a:solidFill>
                           <a:srgbClr val="595959"/>
                         </a:solidFill>
@@ -28938,7 +28952,7 @@
                 </a:tc>
                 <a:extLst>
                   <a:ext uri="{0D108BD9-81ED-4DB2-BD59-A6C34878D82A}">
-                    <a16:rowId xmlns:a16="http://schemas.microsoft.com/office/drawing/2014/main" val="10001"/>
+                    <a16:rowId xmlns="" xmlns:a16="http://schemas.microsoft.com/office/drawing/2014/main" val="10001"/>
                   </a:ext>
                 </a:extLst>
               </a:tr>
@@ -28991,7 +29005,7 @@
                 </a:tc>
                 <a:extLst>
                   <a:ext uri="{0D108BD9-81ED-4DB2-BD59-A6C34878D82A}">
-                    <a16:rowId xmlns:a16="http://schemas.microsoft.com/office/drawing/2014/main" val="10002"/>
+                    <a16:rowId xmlns="" xmlns:a16="http://schemas.microsoft.com/office/drawing/2014/main" val="10002"/>
                   </a:ext>
                 </a:extLst>
               </a:tr>
@@ -29044,7 +29058,7 @@
                 </a:tc>
                 <a:extLst>
                   <a:ext uri="{0D108BD9-81ED-4DB2-BD59-A6C34878D82A}">
-                    <a16:rowId xmlns:a16="http://schemas.microsoft.com/office/drawing/2014/main" val="10003"/>
+                    <a16:rowId xmlns="" xmlns:a16="http://schemas.microsoft.com/office/drawing/2014/main" val="10003"/>
                   </a:ext>
                 </a:extLst>
               </a:tr>
@@ -29087,7 +29101,7 @@
           <p:cNvPr id="2" name="Title 1">
             <a:extLst>
               <a:ext uri="{FF2B5EF4-FFF2-40B4-BE49-F238E27FC236}">
-                <a16:creationId xmlns:a16="http://schemas.microsoft.com/office/drawing/2014/main" id="{5CF0DE7B-5D59-4A8B-AADE-6753ED427DE5}"/>
+                <a16:creationId xmlns="" xmlns:a16="http://schemas.microsoft.com/office/drawing/2014/main" id="{5CF0DE7B-5D59-4A8B-AADE-6753ED427DE5}"/>
               </a:ext>
             </a:extLst>
           </p:cNvPr>
@@ -29119,7 +29133,7 @@
           <p:cNvPr id="7" name="Content Placeholder 6">
             <a:extLst>
               <a:ext uri="{FF2B5EF4-FFF2-40B4-BE49-F238E27FC236}">
-                <a16:creationId xmlns:a16="http://schemas.microsoft.com/office/drawing/2014/main" id="{00000000-0008-0000-0300-000002000000}"/>
+                <a16:creationId xmlns="" xmlns:a16="http://schemas.microsoft.com/office/drawing/2014/main" id="{00000000-0008-0000-0300-000002000000}"/>
               </a:ext>
             </a:extLst>
           </p:cNvPr>
@@ -29180,7 +29194,7 @@
           <p:cNvPr id="2" name="Title 1">
             <a:extLst>
               <a:ext uri="{FF2B5EF4-FFF2-40B4-BE49-F238E27FC236}">
-                <a16:creationId xmlns:a16="http://schemas.microsoft.com/office/drawing/2014/main" id="{53A732E8-FC1B-4DD0-AFDF-C8772D6BF555}"/>
+                <a16:creationId xmlns="" xmlns:a16="http://schemas.microsoft.com/office/drawing/2014/main" id="{53A732E8-FC1B-4DD0-AFDF-C8772D6BF555}"/>
               </a:ext>
             </a:extLst>
           </p:cNvPr>
@@ -29210,7 +29224,7 @@
           <p:cNvPr id="4" name="Content Placeholder 3">
             <a:extLst>
               <a:ext uri="{FF2B5EF4-FFF2-40B4-BE49-F238E27FC236}">
-                <a16:creationId xmlns:a16="http://schemas.microsoft.com/office/drawing/2014/main" id="{00000000-0008-0000-0300-000003000000}"/>
+                <a16:creationId xmlns="" xmlns:a16="http://schemas.microsoft.com/office/drawing/2014/main" id="{00000000-0008-0000-0300-000003000000}"/>
               </a:ext>
             </a:extLst>
           </p:cNvPr>
@@ -29271,7 +29285,7 @@
           <p:cNvPr id="2" name="Title 1">
             <a:extLst>
               <a:ext uri="{FF2B5EF4-FFF2-40B4-BE49-F238E27FC236}">
-                <a16:creationId xmlns:a16="http://schemas.microsoft.com/office/drawing/2014/main" id="{A73FAE1D-6B0B-4D54-96FB-D131F877A1C5}"/>
+                <a16:creationId xmlns="" xmlns:a16="http://schemas.microsoft.com/office/drawing/2014/main" id="{A73FAE1D-6B0B-4D54-96FB-D131F877A1C5}"/>
               </a:ext>
             </a:extLst>
           </p:cNvPr>
@@ -29307,7 +29321,7 @@
             <p:ph idx="1"/>
             <p:extLst>
               <p:ext uri="{D42A27DB-BD31-4B8C-83A1-F6EECF244321}">
-                <p14:modId xmlns:p14="http://schemas.microsoft.com/office/powerpoint/2010/main" val="1904502119"/>
+                <p14:modId xmlns:p14="http://schemas.microsoft.com/office/powerpoint/2010/main" val="4286646585"/>
               </p:ext>
             </p:extLst>
           </p:nvPr>
@@ -29326,14 +29340,14 @@
                 <a:gridCol w="4749795">
                   <a:extLst>
                     <a:ext uri="{9D8B030D-6E8A-4147-A177-3AD203B41FA5}">
-                      <a16:colId xmlns:a16="http://schemas.microsoft.com/office/drawing/2014/main" val="20000"/>
+                      <a16:colId xmlns="" xmlns:a16="http://schemas.microsoft.com/office/drawing/2014/main" val="20000"/>
                     </a:ext>
                   </a:extLst>
                 </a:gridCol>
                 <a:gridCol w="2575759">
                   <a:extLst>
                     <a:ext uri="{9D8B030D-6E8A-4147-A177-3AD203B41FA5}">
-                      <a16:colId xmlns:a16="http://schemas.microsoft.com/office/drawing/2014/main" val="20001"/>
+                      <a16:colId xmlns="" xmlns:a16="http://schemas.microsoft.com/office/drawing/2014/main" val="20001"/>
                     </a:ext>
                   </a:extLst>
                 </a:gridCol>
@@ -29387,7 +29401,7 @@
                 </a:tc>
                 <a:extLst>
                   <a:ext uri="{0D108BD9-81ED-4DB2-BD59-A6C34878D82A}">
-                    <a16:rowId xmlns:a16="http://schemas.microsoft.com/office/drawing/2014/main" val="10000"/>
+                    <a16:rowId xmlns="" xmlns:a16="http://schemas.microsoft.com/office/drawing/2014/main" val="10000"/>
                   </a:ext>
                 </a:extLst>
               </a:tr>
@@ -29422,12 +29436,12 @@
                     <a:p>
                       <a:pPr algn="ctr" fontAlgn="ctr"/>
                       <a:r>
-                        <a:rPr lang="en-US" sz="2000" u="none" strike="noStrike">
+                        <a:rPr lang="en-US" sz="2000" u="none" strike="noStrike" dirty="0">
                           <a:effectLst/>
                         </a:rPr>
                         <a:t>0.990180386</a:t>
                       </a:r>
-                      <a:endParaRPr lang="en-US" sz="2000" b="0" i="0" u="none" strike="noStrike">
+                      <a:endParaRPr lang="en-US" sz="2000" b="0" i="0" u="none" strike="noStrike" dirty="0">
                         <a:solidFill>
                           <a:srgbClr val="595959"/>
                         </a:solidFill>
@@ -29440,7 +29454,7 @@
                 </a:tc>
                 <a:extLst>
                   <a:ext uri="{0D108BD9-81ED-4DB2-BD59-A6C34878D82A}">
-                    <a16:rowId xmlns:a16="http://schemas.microsoft.com/office/drawing/2014/main" val="10001"/>
+                    <a16:rowId xmlns="" xmlns:a16="http://schemas.microsoft.com/office/drawing/2014/main" val="10001"/>
                   </a:ext>
                 </a:extLst>
               </a:tr>
@@ -29475,25 +29489,24 @@
                     <a:p>
                       <a:pPr algn="ctr" fontAlgn="ctr"/>
                       <a:r>
-                        <a:rPr lang="en-US" sz="2000" u="none" strike="noStrike" dirty="0">
+                        <a:rPr lang="en-US" sz="2000" u="none" strike="noStrike" kern="1200" dirty="0">
+                          <a:solidFill>
+                            <a:schemeClr val="tx1"/>
+                          </a:solidFill>
                           <a:effectLst/>
+                          <a:latin typeface="+mn-lt"/>
+                          <a:ea typeface="+mn-ea"/>
+                          <a:cs typeface="+mn-cs"/>
                         </a:rPr>
-                        <a:t>-0.382361086</a:t>
+                        <a:t>-0.382421226</a:t>
                       </a:r>
-                      <a:endParaRPr lang="en-US" sz="2000" b="0" i="0" u="none" strike="noStrike" dirty="0">
-                        <a:solidFill>
-                          <a:srgbClr val="595959"/>
-                        </a:solidFill>
-                        <a:effectLst/>
-                        <a:latin typeface="Calibri"/>
-                      </a:endParaRPr>
                     </a:p>
                   </a:txBody>
-                  <a:tcPr marL="17723" marR="17723" marT="17723" marB="0" anchor="ctr"/>
+                  <a:tcPr marL="9525" marR="9525" marT="9525" marB="0" anchor="ctr"/>
                 </a:tc>
                 <a:extLst>
                   <a:ext uri="{0D108BD9-81ED-4DB2-BD59-A6C34878D82A}">
-                    <a16:rowId xmlns:a16="http://schemas.microsoft.com/office/drawing/2014/main" val="10002"/>
+                    <a16:rowId xmlns="" xmlns:a16="http://schemas.microsoft.com/office/drawing/2014/main" val="10002"/>
                   </a:ext>
                 </a:extLst>
               </a:tr>
@@ -29505,18 +29518,17 @@
                     <a:p>
                       <a:pPr algn="l" fontAlgn="ctr"/>
                       <a:r>
-                        <a:rPr lang="en-US" sz="2000" u="none" strike="noStrike" dirty="0">
+                        <a:rPr lang="en-US" sz="2000" u="none" strike="noStrike" kern="1200" dirty="0">
+                          <a:solidFill>
+                            <a:schemeClr val="tx1"/>
+                          </a:solidFill>
                           <a:effectLst/>
+                          <a:latin typeface="+mn-lt"/>
+                          <a:ea typeface="+mn-ea"/>
+                          <a:cs typeface="+mn-cs"/>
                         </a:rPr>
                         <a:t>INR AND BSE(P/L)</a:t>
                       </a:r>
-                      <a:endParaRPr lang="en-US" sz="2000" b="0" i="0" u="none" strike="noStrike" dirty="0">
-                        <a:solidFill>
-                          <a:srgbClr val="595959"/>
-                        </a:solidFill>
-                        <a:effectLst/>
-                        <a:latin typeface="Calibri"/>
-                      </a:endParaRPr>
                     </a:p>
                   </a:txBody>
                   <a:tcPr marL="159507" marR="17723" marT="17723" marB="0" anchor="ctr"/>
@@ -29528,25 +29540,24 @@
                     <a:p>
                       <a:pPr algn="ctr" fontAlgn="ctr"/>
                       <a:r>
-                        <a:rPr lang="en-US" sz="2000" u="none" strike="noStrike" dirty="0">
+                        <a:rPr lang="en-US" sz="2000" u="none" strike="noStrike" kern="1200" dirty="0">
+                          <a:solidFill>
+                            <a:schemeClr val="tx1"/>
+                          </a:solidFill>
                           <a:effectLst/>
+                          <a:latin typeface="+mn-lt"/>
+                          <a:ea typeface="+mn-ea"/>
+                          <a:cs typeface="+mn-cs"/>
                         </a:rPr>
-                        <a:t>-0.328024389</a:t>
+                        <a:t>-0.387964245</a:t>
                       </a:r>
-                      <a:endParaRPr lang="en-US" sz="2000" b="0" i="0" u="none" strike="noStrike" dirty="0">
-                        <a:solidFill>
-                          <a:srgbClr val="595959"/>
-                        </a:solidFill>
-                        <a:effectLst/>
-                        <a:latin typeface="Calibri"/>
-                      </a:endParaRPr>
                     </a:p>
                   </a:txBody>
-                  <a:tcPr marL="17723" marR="17723" marT="17723" marB="0" anchor="ctr"/>
+                  <a:tcPr marL="9525" marR="9525" marT="9525" marB="0" anchor="ctr"/>
                 </a:tc>
                 <a:extLst>
                   <a:ext uri="{0D108BD9-81ED-4DB2-BD59-A6C34878D82A}">
-                    <a16:rowId xmlns:a16="http://schemas.microsoft.com/office/drawing/2014/main" val="10003"/>
+                    <a16:rowId xmlns="" xmlns:a16="http://schemas.microsoft.com/office/drawing/2014/main" val="10003"/>
                   </a:ext>
                 </a:extLst>
               </a:tr>
@@ -29589,7 +29600,7 @@
           <p:cNvPr id="2" name="Title 1">
             <a:extLst>
               <a:ext uri="{FF2B5EF4-FFF2-40B4-BE49-F238E27FC236}">
-                <a16:creationId xmlns:a16="http://schemas.microsoft.com/office/drawing/2014/main" id="{BDE66BDD-3862-4D42-8250-0DCF54442580}"/>
+                <a16:creationId xmlns="" xmlns:a16="http://schemas.microsoft.com/office/drawing/2014/main" id="{BDE66BDD-3862-4D42-8250-0DCF54442580}"/>
               </a:ext>
             </a:extLst>
           </p:cNvPr>
@@ -29618,7 +29629,7 @@
           <p:cNvPr id="4" name="Content Placeholder 3">
             <a:extLst>
               <a:ext uri="{FF2B5EF4-FFF2-40B4-BE49-F238E27FC236}">
-                <a16:creationId xmlns:a16="http://schemas.microsoft.com/office/drawing/2014/main" id="{00000000-0008-0000-0200-000002000000}"/>
+                <a16:creationId xmlns="" xmlns:a16="http://schemas.microsoft.com/office/drawing/2014/main" id="{00000000-0008-0000-0200-000002000000}"/>
               </a:ext>
             </a:extLst>
           </p:cNvPr>
@@ -29679,7 +29690,7 @@
           <p:cNvPr id="2" name="Title 1">
             <a:extLst>
               <a:ext uri="{FF2B5EF4-FFF2-40B4-BE49-F238E27FC236}">
-                <a16:creationId xmlns:a16="http://schemas.microsoft.com/office/drawing/2014/main" id="{142F88BF-7AE4-4BB9-AF5E-C8C7DEE68699}"/>
+                <a16:creationId xmlns="" xmlns:a16="http://schemas.microsoft.com/office/drawing/2014/main" id="{142F88BF-7AE4-4BB9-AF5E-C8C7DEE68699}"/>
               </a:ext>
             </a:extLst>
           </p:cNvPr>
@@ -29708,7 +29719,7 @@
           <p:cNvPr id="5" name="Content Placeholder 4">
             <a:extLst>
               <a:ext uri="{FF2B5EF4-FFF2-40B4-BE49-F238E27FC236}">
-                <a16:creationId xmlns:a16="http://schemas.microsoft.com/office/drawing/2014/main" id="{00000000-0008-0000-0200-000004000000}"/>
+                <a16:creationId xmlns="" xmlns:a16="http://schemas.microsoft.com/office/drawing/2014/main" id="{00000000-0008-0000-0200-000004000000}"/>
               </a:ext>
             </a:extLst>
           </p:cNvPr>
@@ -29817,7 +29828,15 @@
             <a:pPr lvl="1"/>
             <a:r>
               <a:rPr lang="en-US" dirty="0"/>
-              <a:t>To study Correlation between P/L of various stocks and </a:t>
+              <a:t>To study Correlation between P/L of </a:t>
+            </a:r>
+            <a:r>
+              <a:rPr lang="en-US" dirty="0" smtClean="0"/>
+              <a:t>Nifty50, BSE_SENSEX and USD-INR Comparison </a:t>
+            </a:r>
+            <a:r>
+              <a:rPr lang="en-US" dirty="0"/>
+              <a:t>and </a:t>
             </a:r>
           </a:p>
           <a:p>
@@ -29868,7 +29887,7 @@
           <p:cNvPr id="2" name="Title 1">
             <a:extLst>
               <a:ext uri="{FF2B5EF4-FFF2-40B4-BE49-F238E27FC236}">
-                <a16:creationId xmlns:a16="http://schemas.microsoft.com/office/drawing/2014/main" id="{9B9F9BCC-5AA5-4322-B058-3A896EBB18D0}"/>
+                <a16:creationId xmlns="" xmlns:a16="http://schemas.microsoft.com/office/drawing/2014/main" id="{9B9F9BCC-5AA5-4322-B058-3A896EBB18D0}"/>
               </a:ext>
             </a:extLst>
           </p:cNvPr>
@@ -29897,7 +29916,7 @@
           <p:cNvPr id="4" name="Content Placeholder 3">
             <a:extLst>
               <a:ext uri="{FF2B5EF4-FFF2-40B4-BE49-F238E27FC236}">
-                <a16:creationId xmlns:a16="http://schemas.microsoft.com/office/drawing/2014/main" id="{00000000-0008-0000-0200-000005000000}"/>
+                <a16:creationId xmlns="" xmlns:a16="http://schemas.microsoft.com/office/drawing/2014/main" id="{00000000-0008-0000-0200-000005000000}"/>
               </a:ext>
             </a:extLst>
           </p:cNvPr>
@@ -29958,7 +29977,7 @@
           <p:cNvPr id="2" name="Title 1">
             <a:extLst>
               <a:ext uri="{FF2B5EF4-FFF2-40B4-BE49-F238E27FC236}">
-                <a16:creationId xmlns:a16="http://schemas.microsoft.com/office/drawing/2014/main" id="{D9EA1A3A-3227-48B3-BE67-1F1E576748B1}"/>
+                <a16:creationId xmlns="" xmlns:a16="http://schemas.microsoft.com/office/drawing/2014/main" id="{D9EA1A3A-3227-48B3-BE67-1F1E576748B1}"/>
               </a:ext>
             </a:extLst>
           </p:cNvPr>
@@ -29987,7 +30006,7 @@
           <p:cNvPr id="3" name="Content Placeholder 2">
             <a:extLst>
               <a:ext uri="{FF2B5EF4-FFF2-40B4-BE49-F238E27FC236}">
-                <a16:creationId xmlns:a16="http://schemas.microsoft.com/office/drawing/2014/main" id="{5DEBC559-B75E-41B8-9101-339D8A052410}"/>
+                <a16:creationId xmlns="" xmlns:a16="http://schemas.microsoft.com/office/drawing/2014/main" id="{5DEBC559-B75E-41B8-9101-339D8A052410}"/>
               </a:ext>
             </a:extLst>
           </p:cNvPr>
@@ -30031,12 +30050,12 @@
               <a:t>The Correlation Coefficient between NSE and INR, and BSE and INR are approximately -0.3 which is negative but not perfect as it is closer to 0 which indicates that the USD </a:t>
             </a:r>
             <a:r>
-              <a:rPr lang="en-IN" dirty="0" err="1"/>
-              <a:t>vs</a:t>
+              <a:rPr lang="en-IN" dirty="0" smtClean="0"/>
+              <a:t>v/s </a:t>
             </a:r>
             <a:r>
               <a:rPr lang="en-IN" dirty="0"/>
-              <a:t> INR is less related to NSE and BSE Profit/Loss. But the value of Rupee increases when the price of NSE increases.</a:t>
+              <a:t>INR is less related to NSE and BSE Profit/Loss. But the value of Rupee increases when the price of NSE increases.</a:t>
             </a:r>
           </a:p>
         </p:txBody>
@@ -30076,7 +30095,97 @@
           <p:cNvPr id="2" name="Title 1">
             <a:extLst>
               <a:ext uri="{FF2B5EF4-FFF2-40B4-BE49-F238E27FC236}">
-                <a16:creationId xmlns:a16="http://schemas.microsoft.com/office/drawing/2014/main" id="{B1BC20A1-D9CD-41DF-904D-3BF721F1F175}"/>
+                <a16:creationId xmlns="" xmlns:a16="http://schemas.microsoft.com/office/drawing/2014/main" id="{D9EA1A3A-3227-48B3-BE67-1F1E576748B1}"/>
+              </a:ext>
+            </a:extLst>
+          </p:cNvPr>
+          <p:cNvSpPr>
+            <a:spLocks noGrp="1"/>
+          </p:cNvSpPr>
+          <p:nvPr>
+            <p:ph type="title"/>
+          </p:nvPr>
+        </p:nvSpPr>
+        <p:spPr/>
+        <p:txBody>
+          <a:bodyPr/>
+          <a:lstStyle/>
+          <a:p>
+            <a:r>
+              <a:rPr lang="en-US" dirty="0" smtClean="0"/>
+              <a:t>REFERENCES</a:t>
+            </a:r>
+            <a:endParaRPr lang="en-IN" dirty="0"/>
+          </a:p>
+        </p:txBody>
+      </p:sp>
+      <p:sp>
+        <p:nvSpPr>
+          <p:cNvPr id="3" name="Content Placeholder 2">
+            <a:extLst>
+              <a:ext uri="{FF2B5EF4-FFF2-40B4-BE49-F238E27FC236}">
+                <a16:creationId xmlns="" xmlns:a16="http://schemas.microsoft.com/office/drawing/2014/main" id="{5DEBC559-B75E-41B8-9101-339D8A052410}"/>
+              </a:ext>
+            </a:extLst>
+          </p:cNvPr>
+          <p:cNvSpPr>
+            <a:spLocks noGrp="1"/>
+          </p:cNvSpPr>
+          <p:nvPr>
+            <p:ph idx="1"/>
+          </p:nvPr>
+        </p:nvSpPr>
+        <p:spPr/>
+        <p:txBody>
+          <a:bodyPr>
+            <a:normAutofit/>
+          </a:bodyPr>
+          <a:lstStyle/>
+          <a:p>
+            <a:r>
+              <a:rPr lang="en-IN" dirty="0" smtClean="0"/>
+              <a:t>finance.yahoo.com for data on the three stocks.</a:t>
+            </a:r>
+            <a:endParaRPr lang="en-IN" dirty="0"/>
+          </a:p>
+        </p:txBody>
+      </p:sp>
+    </p:spTree>
+    <p:extLst>
+      <p:ext uri="{BB962C8B-B14F-4D97-AF65-F5344CB8AC3E}">
+        <p14:creationId xmlns:p14="http://schemas.microsoft.com/office/powerpoint/2010/main" val="1856791408"/>
+      </p:ext>
+    </p:extLst>
+  </p:cSld>
+  <p:clrMapOvr>
+    <a:masterClrMapping/>
+  </p:clrMapOvr>
+</p:sld>
+</file>
+
+<file path=ppt/slides/slide23.xml><?xml version="1.0" encoding="utf-8"?>
+<p:sld xmlns:a="http://schemas.openxmlformats.org/drawingml/2006/main" xmlns:r="http://schemas.openxmlformats.org/officeDocument/2006/relationships" xmlns:p="http://schemas.openxmlformats.org/presentationml/2006/main">
+  <p:cSld>
+    <p:spTree>
+      <p:nvGrpSpPr>
+        <p:cNvPr id="1" name=""/>
+        <p:cNvGrpSpPr/>
+        <p:nvPr/>
+      </p:nvGrpSpPr>
+      <p:grpSpPr>
+        <a:xfrm>
+          <a:off x="0" y="0"/>
+          <a:ext cx="0" cy="0"/>
+          <a:chOff x="0" y="0"/>
+          <a:chExt cx="0" cy="0"/>
+        </a:xfrm>
+      </p:grpSpPr>
+      <p:sp>
+        <p:nvSpPr>
+          <p:cNvPr id="2" name="Title 1">
+            <a:extLst>
+              <a:ext uri="{FF2B5EF4-FFF2-40B4-BE49-F238E27FC236}">
+                <a16:creationId xmlns="" xmlns:a16="http://schemas.microsoft.com/office/drawing/2014/main" id="{B1BC20A1-D9CD-41DF-904D-3BF721F1F175}"/>
               </a:ext>
             </a:extLst>
           </p:cNvPr>
@@ -30146,7 +30255,7 @@
           <p:cNvPr id="2" name="Title 1">
             <a:extLst>
               <a:ext uri="{FF2B5EF4-FFF2-40B4-BE49-F238E27FC236}">
-                <a16:creationId xmlns:a16="http://schemas.microsoft.com/office/drawing/2014/main" id="{B486BB97-DBC5-4F6F-9D3D-EA69B90D8223}"/>
+                <a16:creationId xmlns="" xmlns:a16="http://schemas.microsoft.com/office/drawing/2014/main" id="{B486BB97-DBC5-4F6F-9D3D-EA69B90D8223}"/>
               </a:ext>
             </a:extLst>
           </p:cNvPr>
@@ -30175,7 +30284,7 @@
           <p:cNvPr id="3" name="Content Placeholder 2">
             <a:extLst>
               <a:ext uri="{FF2B5EF4-FFF2-40B4-BE49-F238E27FC236}">
-                <a16:creationId xmlns:a16="http://schemas.microsoft.com/office/drawing/2014/main" id="{821FD103-BF63-43A2-A79F-98BE21B426B8}"/>
+                <a16:creationId xmlns="" xmlns:a16="http://schemas.microsoft.com/office/drawing/2014/main" id="{821FD103-BF63-43A2-A79F-98BE21B426B8}"/>
               </a:ext>
             </a:extLst>
           </p:cNvPr>
@@ -30189,7 +30298,7 @@
         <p:spPr/>
         <p:txBody>
           <a:bodyPr>
-            <a:normAutofit fontScale="92500" lnSpcReduction="10000"/>
+            <a:normAutofit fontScale="92500" lnSpcReduction="20000"/>
           </a:bodyPr>
           <a:lstStyle/>
           <a:p>
@@ -30198,8 +30307,13 @@
             </a:pPr>
             <a:r>
               <a:rPr lang="en-US" dirty="0"/>
-              <a:t>A stock (also known as equity) is a security that represents the ownership of a fraction of a corporation. This entitles the owner of the stock to a proportion of the corporation's assets and profits equal to how much stock they own. Units of stock are called "shares.</a:t>
+              <a:t>A stock (also known as equity) is a security that represents the ownership of a fraction of a corporation. This entitles the owner of the stock to a proportion of the corporation's assets and profits equal to how much stock they own. Units of stock are called "</a:t>
             </a:r>
+            <a:r>
+              <a:rPr lang="en-US" dirty="0" smtClean="0"/>
+              <a:t>shares”.</a:t>
+            </a:r>
+            <a:endParaRPr lang="en-US" dirty="0"/>
           </a:p>
           <a:p>
             <a:pPr marL="36900" indent="0">
@@ -30267,7 +30381,7 @@
           <p:cNvPr id="2" name="Title 1">
             <a:extLst>
               <a:ext uri="{FF2B5EF4-FFF2-40B4-BE49-F238E27FC236}">
-                <a16:creationId xmlns:a16="http://schemas.microsoft.com/office/drawing/2014/main" id="{AF71F205-E8A9-4237-8AD2-ABD9BF694F3E}"/>
+                <a16:creationId xmlns="" xmlns:a16="http://schemas.microsoft.com/office/drawing/2014/main" id="{AF71F205-E8A9-4237-8AD2-ABD9BF694F3E}"/>
               </a:ext>
             </a:extLst>
           </p:cNvPr>
@@ -30302,7 +30416,7 @@
           <p:cNvPr id="12" name="Content Placeholder 2" descr="SmartArt graphic">
             <a:extLst>
               <a:ext uri="{FF2B5EF4-FFF2-40B4-BE49-F238E27FC236}">
-                <a16:creationId xmlns:a16="http://schemas.microsoft.com/office/drawing/2014/main" id="{1E5659A2-FA7D-4C38-864B-37B42C27540F}"/>
+                <a16:creationId xmlns="" xmlns:a16="http://schemas.microsoft.com/office/drawing/2014/main" id="{1E5659A2-FA7D-4C38-864B-37B42C27540F}"/>
               </a:ext>
             </a:extLst>
           </p:cNvPr>
@@ -30363,7 +30477,7 @@
           <p:cNvPr id="2" name="Title 1">
             <a:extLst>
               <a:ext uri="{FF2B5EF4-FFF2-40B4-BE49-F238E27FC236}">
-                <a16:creationId xmlns:a16="http://schemas.microsoft.com/office/drawing/2014/main" id="{1A98B5E9-892E-4D7C-BE20-42E067A172D3}"/>
+                <a16:creationId xmlns="" xmlns:a16="http://schemas.microsoft.com/office/drawing/2014/main" id="{1A98B5E9-892E-4D7C-BE20-42E067A172D3}"/>
               </a:ext>
             </a:extLst>
           </p:cNvPr>
@@ -30392,7 +30506,7 @@
           <p:cNvPr id="3" name="Content Placeholder 2">
             <a:extLst>
               <a:ext uri="{FF2B5EF4-FFF2-40B4-BE49-F238E27FC236}">
-                <a16:creationId xmlns:a16="http://schemas.microsoft.com/office/drawing/2014/main" id="{E5664718-2F32-43B2-BD7B-D01531BDBA4A}"/>
+                <a16:creationId xmlns="" xmlns:a16="http://schemas.microsoft.com/office/drawing/2014/main" id="{E5664718-2F32-43B2-BD7B-D01531BDBA4A}"/>
               </a:ext>
             </a:extLst>
           </p:cNvPr>
@@ -30495,7 +30609,7 @@
           <p:cNvPr id="2" name="Title 1">
             <a:extLst>
               <a:ext uri="{FF2B5EF4-FFF2-40B4-BE49-F238E27FC236}">
-                <a16:creationId xmlns:a16="http://schemas.microsoft.com/office/drawing/2014/main" id="{EC1E3E10-4993-4F0B-A669-50C3FF3F1EFD}"/>
+                <a16:creationId xmlns="" xmlns:a16="http://schemas.microsoft.com/office/drawing/2014/main" id="{EC1E3E10-4993-4F0B-A669-50C3FF3F1EFD}"/>
               </a:ext>
             </a:extLst>
           </p:cNvPr>
@@ -30524,7 +30638,7 @@
           <p:cNvPr id="3" name="Content Placeholder 2">
             <a:extLst>
               <a:ext uri="{FF2B5EF4-FFF2-40B4-BE49-F238E27FC236}">
-                <a16:creationId xmlns:a16="http://schemas.microsoft.com/office/drawing/2014/main" id="{2F4E0028-58E4-478C-AE99-9AE5A2340A0B}"/>
+                <a16:creationId xmlns="" xmlns:a16="http://schemas.microsoft.com/office/drawing/2014/main" id="{2F4E0028-58E4-478C-AE99-9AE5A2340A0B}"/>
               </a:ext>
             </a:extLst>
           </p:cNvPr>
@@ -30543,7 +30657,7 @@
         </p:spPr>
         <p:txBody>
           <a:bodyPr>
-            <a:normAutofit fontScale="92500" lnSpcReduction="10000"/>
+            <a:normAutofit fontScale="92500" lnSpcReduction="20000"/>
           </a:bodyPr>
           <a:lstStyle/>
           <a:p>
@@ -30560,16 +30674,16 @@
               <a:t>is the oldest stock exchange in India as well as Asia. It is an integral component of the “$1 trillion” club, having the 11th largest market </a:t>
             </a:r>
             <a:r>
-              <a:rPr lang="en-US" dirty="0" err="1">
+              <a:rPr lang="en-US" dirty="0" smtClean="0">
                 <a:effectLst/>
               </a:rPr>
-              <a:t>capitalisation</a:t>
+              <a:t>capitalization </a:t>
             </a:r>
             <a:r>
               <a:rPr lang="en-US" dirty="0">
                 <a:effectLst/>
               </a:rPr>
-              <a:t> value at $2.2 trillion.</a:t>
+              <a:t>value at $2.2 trillion.</a:t>
             </a:r>
           </a:p>
           <a:p>
@@ -30661,7 +30775,7 @@
           <p:cNvPr id="2" name="Title 1">
             <a:extLst>
               <a:ext uri="{FF2B5EF4-FFF2-40B4-BE49-F238E27FC236}">
-                <a16:creationId xmlns:a16="http://schemas.microsoft.com/office/drawing/2014/main" id="{C53B0E9B-ABF8-4745-8481-CC40BE5615CB}"/>
+                <a16:creationId xmlns="" xmlns:a16="http://schemas.microsoft.com/office/drawing/2014/main" id="{C53B0E9B-ABF8-4745-8481-CC40BE5615CB}"/>
               </a:ext>
             </a:extLst>
           </p:cNvPr>
@@ -30690,7 +30804,7 @@
           <p:cNvPr id="3" name="Content Placeholder 2">
             <a:extLst>
               <a:ext uri="{FF2B5EF4-FFF2-40B4-BE49-F238E27FC236}">
-                <a16:creationId xmlns:a16="http://schemas.microsoft.com/office/drawing/2014/main" id="{B8754751-A9BA-4CF3-9727-4CE1E6A0BF4C}"/>
+                <a16:creationId xmlns="" xmlns:a16="http://schemas.microsoft.com/office/drawing/2014/main" id="{B8754751-A9BA-4CF3-9727-4CE1E6A0BF4C}"/>
               </a:ext>
             </a:extLst>
           </p:cNvPr>
@@ -30780,7 +30894,7 @@
           <p:cNvPr id="2" name="Title 1">
             <a:extLst>
               <a:ext uri="{FF2B5EF4-FFF2-40B4-BE49-F238E27FC236}">
-                <a16:creationId xmlns:a16="http://schemas.microsoft.com/office/drawing/2014/main" id="{4E71842A-B45E-4C82-83E7-68552CB0869A}"/>
+                <a16:creationId xmlns="" xmlns:a16="http://schemas.microsoft.com/office/drawing/2014/main" id="{4E71842A-B45E-4C82-83E7-68552CB0869A}"/>
               </a:ext>
             </a:extLst>
           </p:cNvPr>
@@ -30809,7 +30923,7 @@
           <p:cNvPr id="3" name="Table 4">
             <a:extLst>
               <a:ext uri="{FF2B5EF4-FFF2-40B4-BE49-F238E27FC236}">
-                <a16:creationId xmlns:a16="http://schemas.microsoft.com/office/drawing/2014/main" id="{341AB351-11F2-4485-87B7-7B3D04B5D14B}"/>
+                <a16:creationId xmlns="" xmlns:a16="http://schemas.microsoft.com/office/drawing/2014/main" id="{341AB351-11F2-4485-87B7-7B3D04B5D14B}"/>
               </a:ext>
             </a:extLst>
           </p:cNvPr>
@@ -30819,14 +30933,14 @@
           <p:nvPr>
             <p:extLst>
               <p:ext uri="{D42A27DB-BD31-4B8C-83A1-F6EECF244321}">
-                <p14:modId xmlns:p14="http://schemas.microsoft.com/office/powerpoint/2010/main" val="17488858"/>
+                <p14:modId xmlns:p14="http://schemas.microsoft.com/office/powerpoint/2010/main" val="2022244488"/>
               </p:ext>
             </p:extLst>
           </p:nvPr>
         </p:nvGraphicFramePr>
         <p:xfrm>
           <a:off x="924443" y="1866900"/>
-          <a:ext cx="9829284" cy="3871385"/>
+          <a:ext cx="10034910" cy="3871385"/>
         </p:xfrm>
         <a:graphic>
           <a:graphicData uri="http://schemas.openxmlformats.org/drawingml/2006/table">
@@ -30835,45 +30949,45 @@
                 <a:tableStyleId>{5C22544A-7EE6-4342-B048-85BDC9FD1C3A}</a:tableStyleId>
               </a:tblPr>
               <a:tblGrid>
-                <a:gridCol w="1638214">
+                <a:gridCol w="1672485">
                   <a:extLst>
                     <a:ext uri="{9D8B030D-6E8A-4147-A177-3AD203B41FA5}">
-                      <a16:colId xmlns:a16="http://schemas.microsoft.com/office/drawing/2014/main" val="1766440619"/>
+                      <a16:colId xmlns="" xmlns:a16="http://schemas.microsoft.com/office/drawing/2014/main" val="1766440619"/>
                     </a:ext>
                   </a:extLst>
                 </a:gridCol>
-                <a:gridCol w="1638214">
+                <a:gridCol w="1672485">
                   <a:extLst>
                     <a:ext uri="{9D8B030D-6E8A-4147-A177-3AD203B41FA5}">
-                      <a16:colId xmlns:a16="http://schemas.microsoft.com/office/drawing/2014/main" val="3180599431"/>
+                      <a16:colId xmlns="" xmlns:a16="http://schemas.microsoft.com/office/drawing/2014/main" val="3180599431"/>
                     </a:ext>
                   </a:extLst>
                 </a:gridCol>
-                <a:gridCol w="1638214">
+                <a:gridCol w="1672485">
                   <a:extLst>
                     <a:ext uri="{9D8B030D-6E8A-4147-A177-3AD203B41FA5}">
-                      <a16:colId xmlns:a16="http://schemas.microsoft.com/office/drawing/2014/main" val="1576456185"/>
+                      <a16:colId xmlns="" xmlns:a16="http://schemas.microsoft.com/office/drawing/2014/main" val="1576456185"/>
                     </a:ext>
                   </a:extLst>
                 </a:gridCol>
-                <a:gridCol w="1638214">
+                <a:gridCol w="1672485">
                   <a:extLst>
                     <a:ext uri="{9D8B030D-6E8A-4147-A177-3AD203B41FA5}">
-                      <a16:colId xmlns:a16="http://schemas.microsoft.com/office/drawing/2014/main" val="1272147780"/>
+                      <a16:colId xmlns="" xmlns:a16="http://schemas.microsoft.com/office/drawing/2014/main" val="1272147780"/>
                     </a:ext>
                   </a:extLst>
                 </a:gridCol>
-                <a:gridCol w="1638214">
+                <a:gridCol w="1672485">
                   <a:extLst>
                     <a:ext uri="{9D8B030D-6E8A-4147-A177-3AD203B41FA5}">
-                      <a16:colId xmlns:a16="http://schemas.microsoft.com/office/drawing/2014/main" val="93924427"/>
+                      <a16:colId xmlns="" xmlns:a16="http://schemas.microsoft.com/office/drawing/2014/main" val="93924427"/>
                     </a:ext>
                   </a:extLst>
                 </a:gridCol>
-                <a:gridCol w="1638214">
+                <a:gridCol w="1672485">
                   <a:extLst>
                     <a:ext uri="{9D8B030D-6E8A-4147-A177-3AD203B41FA5}">
-                      <a16:colId xmlns:a16="http://schemas.microsoft.com/office/drawing/2014/main" val="2962761315"/>
+                      <a16:colId xmlns="" xmlns:a16="http://schemas.microsoft.com/office/drawing/2014/main" val="2962761315"/>
                     </a:ext>
                   </a:extLst>
                 </a:gridCol>
@@ -31037,7 +31151,7 @@
                 </a:tc>
                 <a:extLst>
                   <a:ext uri="{0D108BD9-81ED-4DB2-BD59-A6C34878D82A}">
-                    <a16:rowId xmlns:a16="http://schemas.microsoft.com/office/drawing/2014/main" val="2483695418"/>
+                    <a16:rowId xmlns="" xmlns:a16="http://schemas.microsoft.com/office/drawing/2014/main" val="2483695418"/>
                   </a:ext>
                 </a:extLst>
               </a:tr>
@@ -31127,14 +31241,14 @@
                     <a:p>
                       <a:pPr algn="ctr" fontAlgn="ctr"/>
                       <a:r>
-                        <a:rPr lang="en-US" sz="1200" u="none" strike="noStrike">
+                        <a:rPr lang="en-US" sz="1200" u="none" strike="noStrike" dirty="0">
                           <a:effectLst/>
                           <a:latin typeface="Arial" panose="020B0604020202020204" pitchFamily="34" charset="0"/>
                           <a:cs typeface="Arial" panose="020B0604020202020204" pitchFamily="34" charset="0"/>
                         </a:rPr>
                         <a:t>10552.40039</a:t>
                       </a:r>
-                      <a:endParaRPr lang="en-US" sz="1200" b="0" i="0" u="none" strike="noStrike">
+                      <a:endParaRPr lang="en-US" sz="1200" b="0" i="0" u="none" strike="noStrike" dirty="0">
                         <a:solidFill>
                           <a:srgbClr val="595959"/>
                         </a:solidFill>
@@ -31153,14 +31267,14 @@
                     <a:p>
                       <a:pPr algn="ctr" fontAlgn="ctr"/>
                       <a:r>
-                        <a:rPr lang="en-US" sz="1200" u="none" strike="noStrike">
+                        <a:rPr lang="en-US" sz="1200" u="none" strike="noStrike" dirty="0">
                           <a:effectLst/>
                           <a:latin typeface="Arial" panose="020B0604020202020204" pitchFamily="34" charset="0"/>
                           <a:cs typeface="Arial" panose="020B0604020202020204" pitchFamily="34" charset="0"/>
                         </a:rPr>
                         <a:t>11760.2002</a:t>
                       </a:r>
-                      <a:endParaRPr lang="en-US" sz="1200" b="0" i="0" u="none" strike="noStrike">
+                      <a:endParaRPr lang="en-US" sz="1200" b="0" i="0" u="none" strike="noStrike" dirty="0">
                         <a:solidFill>
                           <a:srgbClr val="595959"/>
                         </a:solidFill>
@@ -31179,14 +31293,14 @@
                     <a:p>
                       <a:pPr algn="ctr" fontAlgn="ctr"/>
                       <a:r>
-                        <a:rPr lang="en-US" sz="1200" u="none" strike="noStrike">
+                        <a:rPr lang="en-US" sz="1200" u="none" strike="noStrike" dirty="0">
                           <a:effectLst/>
                           <a:latin typeface="Arial" panose="020B0604020202020204" pitchFamily="34" charset="0"/>
                           <a:cs typeface="Arial" panose="020B0604020202020204" pitchFamily="34" charset="0"/>
                         </a:rPr>
                         <a:t>12293.90039</a:t>
                       </a:r>
-                      <a:endParaRPr lang="en-US" sz="1200" b="0" i="0" u="none" strike="noStrike">
+                      <a:endParaRPr lang="en-US" sz="1200" b="0" i="0" u="none" strike="noStrike" dirty="0">
                         <a:solidFill>
                           <a:srgbClr val="595959"/>
                         </a:solidFill>
@@ -31200,7 +31314,7 @@
                 </a:tc>
                 <a:extLst>
                   <a:ext uri="{0D108BD9-81ED-4DB2-BD59-A6C34878D82A}">
-                    <a16:rowId xmlns:a16="http://schemas.microsoft.com/office/drawing/2014/main" val="3058228287"/>
+                    <a16:rowId xmlns="" xmlns:a16="http://schemas.microsoft.com/office/drawing/2014/main" val="3058228287"/>
                   </a:ext>
                 </a:extLst>
               </a:tr>
@@ -31238,14 +31352,14 @@
                     <a:p>
                       <a:pPr algn="ctr" fontAlgn="ctr"/>
                       <a:r>
-                        <a:rPr lang="en-US" sz="1200" u="none" strike="noStrike">
+                        <a:rPr lang="en-US" sz="1200" u="none" strike="noStrike" dirty="0">
                           <a:effectLst/>
                           <a:latin typeface="Arial" panose="020B0604020202020204" pitchFamily="34" charset="0"/>
                           <a:cs typeface="Arial" panose="020B0604020202020204" pitchFamily="34" charset="0"/>
                         </a:rPr>
                         <a:t>7551.049805</a:t>
                       </a:r>
-                      <a:endParaRPr lang="en-US" sz="1200" b="0" i="0" u="none" strike="noStrike">
+                      <a:endParaRPr lang="en-US" sz="1200" b="0" i="0" u="none" strike="noStrike" dirty="0">
                         <a:solidFill>
                           <a:srgbClr val="595959"/>
                         </a:solidFill>
@@ -31316,14 +31430,14 @@
                     <a:p>
                       <a:pPr algn="ctr" fontAlgn="ctr"/>
                       <a:r>
-                        <a:rPr lang="en-US" sz="1200" u="none" strike="noStrike">
+                        <a:rPr lang="en-US" sz="1200" u="none" strike="noStrike" dirty="0">
                           <a:effectLst/>
                           <a:latin typeface="Arial" panose="020B0604020202020204" pitchFamily="34" charset="0"/>
                           <a:cs typeface="Arial" panose="020B0604020202020204" pitchFamily="34" charset="0"/>
                         </a:rPr>
                         <a:t>9951.900391</a:t>
                       </a:r>
-                      <a:endParaRPr lang="en-US" sz="1200" b="0" i="0" u="none" strike="noStrike">
+                      <a:endParaRPr lang="en-US" sz="1200" b="0" i="0" u="none" strike="noStrike" dirty="0">
                         <a:solidFill>
                           <a:srgbClr val="595959"/>
                         </a:solidFill>
@@ -31342,14 +31456,14 @@
                     <a:p>
                       <a:pPr algn="ctr" fontAlgn="ctr"/>
                       <a:r>
-                        <a:rPr lang="en-US" sz="1200" u="none" strike="noStrike">
+                        <a:rPr lang="en-US" sz="1200" u="none" strike="noStrike" dirty="0">
                           <a:effectLst/>
                           <a:latin typeface="Arial" panose="020B0604020202020204" pitchFamily="34" charset="0"/>
                           <a:cs typeface="Arial" panose="020B0604020202020204" pitchFamily="34" charset="0"/>
                         </a:rPr>
                         <a:t>10583.65039</a:t>
                       </a:r>
-                      <a:endParaRPr lang="en-US" sz="1200" b="0" i="0" u="none" strike="noStrike">
+                      <a:endParaRPr lang="en-US" sz="1200" b="0" i="0" u="none" strike="noStrike" dirty="0">
                         <a:solidFill>
                           <a:srgbClr val="595959"/>
                         </a:solidFill>
@@ -31363,7 +31477,7 @@
                 </a:tc>
                 <a:extLst>
                   <a:ext uri="{0D108BD9-81ED-4DB2-BD59-A6C34878D82A}">
-                    <a16:rowId xmlns:a16="http://schemas.microsoft.com/office/drawing/2014/main" val="3301760956"/>
+                    <a16:rowId xmlns="" xmlns:a16="http://schemas.microsoft.com/office/drawing/2014/main" val="3301760956"/>
                   </a:ext>
                 </a:extLst>
               </a:tr>
@@ -31375,14 +31489,22 @@
                     <a:p>
                       <a:pPr algn="ctr" fontAlgn="ctr"/>
                       <a:r>
-                        <a:rPr lang="en-US" sz="1200" u="none" strike="noStrike">
+                        <a:rPr lang="en-US" sz="1200" u="none" strike="noStrike" dirty="0">
                           <a:effectLst/>
                           <a:latin typeface="Arial" panose="020B0604020202020204" pitchFamily="34" charset="0"/>
                           <a:cs typeface="Arial" panose="020B0604020202020204" pitchFamily="34" charset="0"/>
                         </a:rPr>
-                        <a:t>MEAN(P/L)(PER STOCK)</a:t>
+                        <a:t>MEAN(P/L)(PER </a:t>
                       </a:r>
-                      <a:endParaRPr lang="en-US" sz="1200" b="1" i="0" u="none" strike="noStrike">
+                      <a:r>
+                        <a:rPr lang="en-US" sz="1200" u="none" strike="noStrike" dirty="0" smtClean="0">
+                          <a:effectLst/>
+                          <a:latin typeface="Arial" panose="020B0604020202020204" pitchFamily="34" charset="0"/>
+                          <a:cs typeface="Arial" panose="020B0604020202020204" pitchFamily="34" charset="0"/>
+                        </a:rPr>
+                        <a:t>DAY)</a:t>
+                      </a:r>
+                      <a:endParaRPr lang="en-US" sz="1200" b="1" i="0" u="none" strike="noStrike" dirty="0">
                         <a:solidFill>
                           <a:srgbClr val="5B9BD5"/>
                         </a:solidFill>
@@ -31401,14 +31523,14 @@
                     <a:p>
                       <a:pPr algn="ctr" fontAlgn="ctr"/>
                       <a:r>
-                        <a:rPr lang="en-US" sz="1200" u="none" strike="noStrike">
+                        <a:rPr lang="en-US" sz="1200" u="none" strike="noStrike" dirty="0">
                           <a:effectLst/>
                           <a:latin typeface="Arial" panose="020B0604020202020204" pitchFamily="34" charset="0"/>
                           <a:cs typeface="Arial" panose="020B0604020202020204" pitchFamily="34" charset="0"/>
                         </a:rPr>
                         <a:t>34.09284329</a:t>
                       </a:r>
-                      <a:endParaRPr lang="en-US" sz="1200" b="0" i="0" u="none" strike="noStrike">
+                      <a:endParaRPr lang="en-US" sz="1200" b="0" i="0" u="none" strike="noStrike" dirty="0">
                         <a:solidFill>
                           <a:srgbClr val="595959"/>
                         </a:solidFill>
@@ -31427,14 +31549,14 @@
                     <a:p>
                       <a:pPr algn="ctr" fontAlgn="ctr"/>
                       <a:r>
-                        <a:rPr lang="en-US" sz="1200" u="none" strike="noStrike">
+                        <a:rPr lang="en-US" sz="1200" u="none" strike="noStrike" dirty="0">
                           <a:effectLst/>
                           <a:latin typeface="Arial" panose="020B0604020202020204" pitchFamily="34" charset="0"/>
                           <a:cs typeface="Arial" panose="020B0604020202020204" pitchFamily="34" charset="0"/>
                         </a:rPr>
                         <a:t>-4.821148115</a:t>
                       </a:r>
-                      <a:endParaRPr lang="en-US" sz="1200" b="0" i="0" u="none" strike="noStrike">
+                      <a:endParaRPr lang="en-US" sz="1200" b="0" i="0" u="none" strike="noStrike" dirty="0">
                         <a:solidFill>
                           <a:srgbClr val="595959"/>
                         </a:solidFill>
@@ -31505,14 +31627,14 @@
                     <a:p>
                       <a:pPr algn="ctr" fontAlgn="ctr"/>
                       <a:r>
-                        <a:rPr lang="en-US" sz="1200" u="none" strike="noStrike">
+                        <a:rPr lang="en-US" sz="1200" u="none" strike="noStrike" dirty="0">
                           <a:effectLst/>
                           <a:latin typeface="Arial" panose="020B0604020202020204" pitchFamily="34" charset="0"/>
                           <a:cs typeface="Arial" panose="020B0604020202020204" pitchFamily="34" charset="0"/>
                         </a:rPr>
                         <a:t>9.447134231</a:t>
                       </a:r>
-                      <a:endParaRPr lang="en-US" sz="1200" b="0" i="0" u="none" strike="noStrike">
+                      <a:endParaRPr lang="en-US" sz="1200" b="0" i="0" u="none" strike="noStrike" dirty="0">
                         <a:solidFill>
                           <a:srgbClr val="595959"/>
                         </a:solidFill>
@@ -31526,7 +31648,7 @@
                 </a:tc>
                 <a:extLst>
                   <a:ext uri="{0D108BD9-81ED-4DB2-BD59-A6C34878D82A}">
-                    <a16:rowId xmlns:a16="http://schemas.microsoft.com/office/drawing/2014/main" val="2598196105"/>
+                    <a16:rowId xmlns="" xmlns:a16="http://schemas.microsoft.com/office/drawing/2014/main" val="2598196105"/>
                   </a:ext>
                 </a:extLst>
               </a:tr>
@@ -31538,14 +31660,22 @@
                     <a:p>
                       <a:pPr algn="ctr" fontAlgn="ctr"/>
                       <a:r>
-                        <a:rPr lang="en-US" sz="1200" u="none" strike="noStrike">
+                        <a:rPr lang="en-US" sz="1200" u="none" strike="noStrike" dirty="0">
                           <a:effectLst/>
                           <a:latin typeface="Arial" panose="020B0604020202020204" pitchFamily="34" charset="0"/>
                           <a:cs typeface="Arial" panose="020B0604020202020204" pitchFamily="34" charset="0"/>
                         </a:rPr>
-                        <a:t>STANDARD DEVIATION(p/l)</a:t>
+                        <a:t>STANDARD </a:t>
                       </a:r>
-                      <a:endParaRPr lang="en-US" sz="1200" b="1" i="0" u="none" strike="noStrike">
+                      <a:r>
+                        <a:rPr lang="en-US" sz="1200" u="none" strike="noStrike" dirty="0" smtClean="0">
+                          <a:effectLst/>
+                          <a:latin typeface="Arial" panose="020B0604020202020204" pitchFamily="34" charset="0"/>
+                          <a:cs typeface="Arial" panose="020B0604020202020204" pitchFamily="34" charset="0"/>
+                        </a:rPr>
+                        <a:t>DEVIATION(per day)</a:t>
+                      </a:r>
+                      <a:endParaRPr lang="en-US" sz="1200" b="1" i="0" u="none" strike="noStrike" dirty="0">
                         <a:solidFill>
                           <a:srgbClr val="5B9BD5"/>
                         </a:solidFill>
@@ -31564,14 +31694,14 @@
                     <a:p>
                       <a:pPr algn="ctr" fontAlgn="ctr"/>
                       <a:r>
-                        <a:rPr lang="en-US" sz="1200" u="none" strike="noStrike">
+                        <a:rPr lang="en-US" sz="1200" u="none" strike="noStrike" dirty="0">
                           <a:effectLst/>
                           <a:latin typeface="Arial" panose="020B0604020202020204" pitchFamily="34" charset="0"/>
                           <a:cs typeface="Arial" panose="020B0604020202020204" pitchFamily="34" charset="0"/>
                         </a:rPr>
                         <a:t>141.6963488</a:t>
                       </a:r>
-                      <a:endParaRPr lang="en-US" sz="1200" b="0" i="0" u="none" strike="noStrike">
+                      <a:endParaRPr lang="en-US" sz="1200" b="0" i="0" u="none" strike="noStrike" dirty="0">
                         <a:solidFill>
                           <a:srgbClr val="595959"/>
                         </a:solidFill>
@@ -31590,14 +31720,14 @@
                     <a:p>
                       <a:pPr algn="ctr" fontAlgn="ctr"/>
                       <a:r>
-                        <a:rPr lang="en-US" sz="1200" u="none" strike="noStrike">
+                        <a:rPr lang="en-US" sz="1200" u="none" strike="noStrike" dirty="0">
                           <a:effectLst/>
                           <a:latin typeface="Arial" panose="020B0604020202020204" pitchFamily="34" charset="0"/>
                           <a:cs typeface="Arial" panose="020B0604020202020204" pitchFamily="34" charset="0"/>
                         </a:rPr>
                         <a:t>165.9511518</a:t>
                       </a:r>
-                      <a:endParaRPr lang="en-US" sz="1200" b="0" i="0" u="none" strike="noStrike">
+                      <a:endParaRPr lang="en-US" sz="1200" b="0" i="0" u="none" strike="noStrike" dirty="0">
                         <a:solidFill>
                           <a:srgbClr val="595959"/>
                         </a:solidFill>
@@ -31616,14 +31746,14 @@
                     <a:p>
                       <a:pPr algn="ctr" fontAlgn="ctr"/>
                       <a:r>
-                        <a:rPr lang="en-US" sz="1200" u="none" strike="noStrike">
+                        <a:rPr lang="en-US" sz="1200" u="none" strike="noStrike" dirty="0">
                           <a:effectLst/>
                           <a:latin typeface="Arial" panose="020B0604020202020204" pitchFamily="34" charset="0"/>
                           <a:cs typeface="Arial" panose="020B0604020202020204" pitchFamily="34" charset="0"/>
                         </a:rPr>
                         <a:t>115.0547693</a:t>
                       </a:r>
-                      <a:endParaRPr lang="en-US" sz="1200" b="0" i="0" u="none" strike="noStrike">
+                      <a:endParaRPr lang="en-US" sz="1200" b="0" i="0" u="none" strike="noStrike" dirty="0">
                         <a:solidFill>
                           <a:srgbClr val="595959"/>
                         </a:solidFill>
@@ -31689,7 +31819,7 @@
                 </a:tc>
                 <a:extLst>
                   <a:ext uri="{0D108BD9-81ED-4DB2-BD59-A6C34878D82A}">
-                    <a16:rowId xmlns:a16="http://schemas.microsoft.com/office/drawing/2014/main" val="2018324647"/>
+                    <a16:rowId xmlns="" xmlns:a16="http://schemas.microsoft.com/office/drawing/2014/main" val="2018324647"/>
                   </a:ext>
                 </a:extLst>
               </a:tr>
@@ -31732,7 +31862,7 @@
           <p:cNvPr id="2" name="Title 1">
             <a:extLst>
               <a:ext uri="{FF2B5EF4-FFF2-40B4-BE49-F238E27FC236}">
-                <a16:creationId xmlns:a16="http://schemas.microsoft.com/office/drawing/2014/main" id="{4E71842A-B45E-4C82-83E7-68552CB0869A}"/>
+                <a16:creationId xmlns="" xmlns:a16="http://schemas.microsoft.com/office/drawing/2014/main" id="{4E71842A-B45E-4C82-83E7-68552CB0869A}"/>
               </a:ext>
             </a:extLst>
           </p:cNvPr>
@@ -31766,7 +31896,7 @@
           <p:cNvPr id="4" name="Chart 3">
             <a:extLst>
               <a:ext uri="{FF2B5EF4-FFF2-40B4-BE49-F238E27FC236}">
-                <a16:creationId xmlns:a16="http://schemas.microsoft.com/office/drawing/2014/main" id="{00000000-0008-0000-0100-000006000000}"/>
+                <a16:creationId xmlns="" xmlns:a16="http://schemas.microsoft.com/office/drawing/2014/main" id="{00000000-0008-0000-0100-000006000000}"/>
               </a:ext>
             </a:extLst>
           </p:cNvPr>
@@ -31776,7 +31906,7 @@
           <p:nvPr>
             <p:extLst>
               <p:ext uri="{D42A27DB-BD31-4B8C-83A1-F6EECF244321}">
-                <p14:modId xmlns:p14="http://schemas.microsoft.com/office/powerpoint/2010/main" val="1214996299"/>
+                <p14:modId xmlns:p14="http://schemas.microsoft.com/office/powerpoint/2010/main" val="1367706288"/>
               </p:ext>
             </p:extLst>
           </p:nvPr>
@@ -31980,7 +32110,7 @@
   <a:extraClrSchemeLst/>
   <a:extLst>
     <a:ext uri="{05A4C25C-085E-4340-85A3-A5531E510DB2}">
-      <thm15:themeFamily xmlns:thm15="http://schemas.microsoft.com/office/thememl/2012/main" name="SlateVTI" id="{35C4A07C-0176-4A32-9BCB-B016516853F0}" vid="{9B70D35C-BCA8-4715-BB49-8BE54A7FC07C}"/>
+      <thm15:themeFamily xmlns="" xmlns:thm15="http://schemas.microsoft.com/office/thememl/2012/main" name="SlateVTI" id="{35C4A07C-0176-4A32-9BCB-B016516853F0}" vid="{9B70D35C-BCA8-4715-BB49-8BE54A7FC07C}"/>
     </a:ext>
   </a:extLst>
 </a:theme>
